--- a/cocha-diagram.pptx
+++ b/cocha-diagram.pptx
@@ -10663,7 +10663,7 @@
         </p:nvGrpSpPr>
         <p:grpSpPr>
           <a:xfrm>
-            <a:off x="5997437" y="1203725"/>
+            <a:off x="6676135" y="886640"/>
             <a:ext cx="1349273" cy="795878"/>
             <a:chOff x="5997437" y="1203725"/>
             <a:chExt cx="1349273" cy="795878"/>
@@ -10788,7 +10788,7 @@
         </p:nvSpPr>
         <p:spPr>
           <a:xfrm>
-            <a:off x="6320725" y="2118717"/>
+            <a:off x="6999423" y="1801632"/>
             <a:ext cx="550151" cy="276999"/>
           </a:xfrm>
           <a:prstGeom prst="rect">
@@ -12283,7 +12283,7 @@
         </p:nvGrpSpPr>
         <p:grpSpPr>
           <a:xfrm>
-            <a:off x="4846522" y="374219"/>
+            <a:off x="3443606" y="5270518"/>
             <a:ext cx="676569" cy="892729"/>
             <a:chOff x="4846522" y="374219"/>
             <a:chExt cx="676569" cy="892729"/>
@@ -12922,7 +12922,7 @@
         </p:nvSpPr>
         <p:spPr>
           <a:xfrm>
-            <a:off x="5004048" y="1309737"/>
+            <a:off x="3601132" y="6206036"/>
             <a:ext cx="404278" cy="276999"/>
           </a:xfrm>
           <a:prstGeom prst="rect">
@@ -13178,168 +13178,183 @@
           </a:p>
         </p:txBody>
       </p:sp>
-      <p:sp>
-        <p:nvSpPr>
-          <p:cNvPr id="200" name="平行四辺形 199"/>
-          <p:cNvSpPr/>
+      <p:grpSp>
+        <p:nvGrpSpPr>
+          <p:cNvPr id="20" name="グループ化 19"/>
+          <p:cNvGrpSpPr/>
           <p:nvPr/>
-        </p:nvSpPr>
-        <p:spPr>
-          <a:xfrm rot="16200000">
-            <a:off x="1937840" y="1315020"/>
-            <a:ext cx="740221" cy="255771"/>
+        </p:nvGrpSpPr>
+        <p:grpSpPr>
+          <a:xfrm>
+            <a:off x="2158612" y="1067360"/>
+            <a:ext cx="277224" cy="745656"/>
+            <a:chOff x="2158612" y="1067360"/>
+            <a:chExt cx="277224" cy="745656"/>
           </a:xfrm>
-          <a:prstGeom prst="parallelogram">
-            <a:avLst>
-              <a:gd name="adj" fmla="val 56906"/>
-            </a:avLst>
-          </a:prstGeom>
-          <a:solidFill>
-            <a:schemeClr val="bg1">
-              <a:lumMod val="85000"/>
-            </a:schemeClr>
-          </a:solidFill>
-          <a:ln w="38100" cap="rnd">
-            <a:solidFill>
-              <a:schemeClr val="tx1">
-                <a:lumMod val="65000"/>
-                <a:lumOff val="35000"/>
-              </a:schemeClr>
-            </a:solidFill>
-          </a:ln>
-        </p:spPr>
-        <p:style>
-          <a:lnRef idx="2">
-            <a:schemeClr val="accent1">
-              <a:shade val="50000"/>
-            </a:schemeClr>
-          </a:lnRef>
-          <a:fillRef idx="1">
-            <a:schemeClr val="accent1"/>
-          </a:fillRef>
-          <a:effectRef idx="0">
-            <a:schemeClr val="accent1"/>
-          </a:effectRef>
-          <a:fontRef idx="minor">
-            <a:schemeClr val="lt1"/>
-          </a:fontRef>
-        </p:style>
-        <p:txBody>
-          <a:bodyPr rtlCol="0" anchor="ctr"/>
-          <a:lstStyle/>
-          <a:p>
-            <a:pPr algn="ctr"/>
-            <a:endParaRPr kumimoji="1" lang="ja-JP" altLang="en-US"/>
-          </a:p>
-        </p:txBody>
-      </p:sp>
-      <p:sp>
-        <p:nvSpPr>
-          <p:cNvPr id="277" name="平行四辺形 276"/>
-          <p:cNvSpPr/>
-          <p:nvPr/>
-        </p:nvSpPr>
-        <p:spPr>
-          <a:xfrm rot="16200000">
-            <a:off x="1916347" y="1309625"/>
-            <a:ext cx="738326" cy="253795"/>
-          </a:xfrm>
-          <a:prstGeom prst="parallelogram">
-            <a:avLst>
-              <a:gd name="adj" fmla="val 56906"/>
-            </a:avLst>
-          </a:prstGeom>
-          <a:solidFill>
-            <a:schemeClr val="bg1">
-              <a:lumMod val="85000"/>
-            </a:schemeClr>
-          </a:solidFill>
-          <a:ln>
+        </p:grpSpPr>
+        <p:sp>
+          <p:nvSpPr>
+            <p:cNvPr id="200" name="平行四辺形 199"/>
+            <p:cNvSpPr/>
+            <p:nvPr/>
+          </p:nvSpPr>
+          <p:spPr>
+            <a:xfrm rot="16200000">
+              <a:off x="1937840" y="1315020"/>
+              <a:ext cx="740221" cy="255771"/>
+            </a:xfrm>
+            <a:prstGeom prst="parallelogram">
+              <a:avLst>
+                <a:gd name="adj" fmla="val 56906"/>
+              </a:avLst>
+            </a:prstGeom>
             <a:solidFill>
               <a:schemeClr val="bg1">
-                <a:lumMod val="50000"/>
+                <a:lumMod val="85000"/>
               </a:schemeClr>
             </a:solidFill>
-          </a:ln>
-        </p:spPr>
-        <p:style>
-          <a:lnRef idx="2">
-            <a:schemeClr val="accent1">
-              <a:shade val="50000"/>
-            </a:schemeClr>
-          </a:lnRef>
-          <a:fillRef idx="1">
-            <a:schemeClr val="accent1"/>
-          </a:fillRef>
-          <a:effectRef idx="0">
-            <a:schemeClr val="accent1"/>
-          </a:effectRef>
-          <a:fontRef idx="minor">
-            <a:schemeClr val="lt1"/>
-          </a:fontRef>
-        </p:style>
-        <p:txBody>
-          <a:bodyPr rtlCol="0" anchor="ctr"/>
-          <a:lstStyle/>
-          <a:p>
-            <a:pPr algn="ctr"/>
-            <a:endParaRPr kumimoji="1" lang="ja-JP" altLang="en-US"/>
-          </a:p>
-        </p:txBody>
-      </p:sp>
-      <p:sp>
-        <p:nvSpPr>
-          <p:cNvPr id="287" name="平行四辺形 286"/>
-          <p:cNvSpPr/>
-          <p:nvPr/>
-        </p:nvSpPr>
-        <p:spPr>
-          <a:xfrm rot="16200000">
-            <a:off x="1950208" y="1295446"/>
-            <a:ext cx="684118" cy="242158"/>
-          </a:xfrm>
-          <a:prstGeom prst="parallelogram">
-            <a:avLst>
-              <a:gd name="adj" fmla="val 56906"/>
-            </a:avLst>
-          </a:prstGeom>
-          <a:solidFill>
-            <a:srgbClr val="4BD0FF"/>
-          </a:solidFill>
-          <a:ln w="3175" cap="rnd">
+            <a:ln w="38100" cap="rnd">
+              <a:solidFill>
+                <a:schemeClr val="tx1">
+                  <a:lumMod val="65000"/>
+                  <a:lumOff val="35000"/>
+                </a:schemeClr>
+              </a:solidFill>
+            </a:ln>
+          </p:spPr>
+          <p:style>
+            <a:lnRef idx="2">
+              <a:schemeClr val="accent1">
+                <a:shade val="50000"/>
+              </a:schemeClr>
+            </a:lnRef>
+            <a:fillRef idx="1">
+              <a:schemeClr val="accent1"/>
+            </a:fillRef>
+            <a:effectRef idx="0">
+              <a:schemeClr val="accent1"/>
+            </a:effectRef>
+            <a:fontRef idx="minor">
+              <a:schemeClr val="lt1"/>
+            </a:fontRef>
+          </p:style>
+          <p:txBody>
+            <a:bodyPr rtlCol="0" anchor="ctr"/>
+            <a:lstStyle/>
+            <a:p>
+              <a:pPr algn="ctr"/>
+              <a:endParaRPr kumimoji="1" lang="ja-JP" altLang="en-US"/>
+            </a:p>
+          </p:txBody>
+        </p:sp>
+        <p:sp>
+          <p:nvSpPr>
+            <p:cNvPr id="277" name="平行四辺形 276"/>
+            <p:cNvSpPr/>
+            <p:nvPr/>
+          </p:nvSpPr>
+          <p:spPr>
+            <a:xfrm rot="16200000">
+              <a:off x="1916347" y="1309625"/>
+              <a:ext cx="738326" cy="253795"/>
+            </a:xfrm>
+            <a:prstGeom prst="parallelogram">
+              <a:avLst>
+                <a:gd name="adj" fmla="val 56906"/>
+              </a:avLst>
+            </a:prstGeom>
             <a:solidFill>
-              <a:schemeClr val="tx1">
-                <a:lumMod val="50000"/>
-                <a:lumOff val="50000"/>
+              <a:schemeClr val="bg1">
+                <a:lumMod val="85000"/>
               </a:schemeClr>
             </a:solidFill>
-          </a:ln>
-        </p:spPr>
-        <p:style>
-          <a:lnRef idx="2">
-            <a:schemeClr val="accent1">
-              <a:shade val="50000"/>
-            </a:schemeClr>
-          </a:lnRef>
-          <a:fillRef idx="1">
-            <a:schemeClr val="accent1"/>
-          </a:fillRef>
-          <a:effectRef idx="0">
-            <a:schemeClr val="accent1"/>
-          </a:effectRef>
-          <a:fontRef idx="minor">
-            <a:schemeClr val="lt1"/>
-          </a:fontRef>
-        </p:style>
-        <p:txBody>
-          <a:bodyPr rtlCol="0" anchor="ctr"/>
-          <a:lstStyle/>
-          <a:p>
-            <a:pPr algn="ctr"/>
-            <a:endParaRPr kumimoji="1" lang="ja-JP" altLang="en-US"/>
-          </a:p>
-        </p:txBody>
-      </p:sp>
+            <a:ln>
+              <a:solidFill>
+                <a:schemeClr val="bg1">
+                  <a:lumMod val="50000"/>
+                </a:schemeClr>
+              </a:solidFill>
+            </a:ln>
+          </p:spPr>
+          <p:style>
+            <a:lnRef idx="2">
+              <a:schemeClr val="accent1">
+                <a:shade val="50000"/>
+              </a:schemeClr>
+            </a:lnRef>
+            <a:fillRef idx="1">
+              <a:schemeClr val="accent1"/>
+            </a:fillRef>
+            <a:effectRef idx="0">
+              <a:schemeClr val="accent1"/>
+            </a:effectRef>
+            <a:fontRef idx="minor">
+              <a:schemeClr val="lt1"/>
+            </a:fontRef>
+          </p:style>
+          <p:txBody>
+            <a:bodyPr rtlCol="0" anchor="ctr"/>
+            <a:lstStyle/>
+            <a:p>
+              <a:pPr algn="ctr"/>
+              <a:endParaRPr kumimoji="1" lang="ja-JP" altLang="en-US"/>
+            </a:p>
+          </p:txBody>
+        </p:sp>
+        <p:sp>
+          <p:nvSpPr>
+            <p:cNvPr id="287" name="平行四辺形 286"/>
+            <p:cNvSpPr/>
+            <p:nvPr/>
+          </p:nvSpPr>
+          <p:spPr>
+            <a:xfrm rot="16200000">
+              <a:off x="1950208" y="1295446"/>
+              <a:ext cx="684118" cy="242158"/>
+            </a:xfrm>
+            <a:prstGeom prst="parallelogram">
+              <a:avLst>
+                <a:gd name="adj" fmla="val 56906"/>
+              </a:avLst>
+            </a:prstGeom>
+            <a:solidFill>
+              <a:srgbClr val="4BD0FF"/>
+            </a:solidFill>
+            <a:ln w="3175" cap="rnd">
+              <a:solidFill>
+                <a:schemeClr val="tx1">
+                  <a:lumMod val="50000"/>
+                  <a:lumOff val="50000"/>
+                </a:schemeClr>
+              </a:solidFill>
+            </a:ln>
+          </p:spPr>
+          <p:style>
+            <a:lnRef idx="2">
+              <a:schemeClr val="accent1">
+                <a:shade val="50000"/>
+              </a:schemeClr>
+            </a:lnRef>
+            <a:fillRef idx="1">
+              <a:schemeClr val="accent1"/>
+            </a:fillRef>
+            <a:effectRef idx="0">
+              <a:schemeClr val="accent1"/>
+            </a:effectRef>
+            <a:fontRef idx="minor">
+              <a:schemeClr val="lt1"/>
+            </a:fontRef>
+          </p:style>
+          <p:txBody>
+            <a:bodyPr rtlCol="0" anchor="ctr"/>
+            <a:lstStyle/>
+            <a:p>
+              <a:pPr algn="ctr"/>
+              <a:endParaRPr kumimoji="1" lang="ja-JP" altLang="en-US"/>
+            </a:p>
+          </p:txBody>
+        </p:sp>
+      </p:grpSp>
       <p:sp>
         <p:nvSpPr>
           <p:cNvPr id="288" name="テキスト ボックス 287"/>
@@ -17270,8 +17285,8 @@
           </p:nvSpPr>
           <p:spPr>
             <a:xfrm>
-              <a:off x="3326772" y="3502844"/>
-              <a:ext cx="51880" cy="384787"/>
+              <a:off x="3311452" y="3502844"/>
+              <a:ext cx="67200" cy="384787"/>
             </a:xfrm>
             <a:prstGeom prst="rect">
               <a:avLst/>
@@ -18806,6 +18821,3227 @@
               <a:t>Presented by tamura__246</a:t>
             </a:r>
             <a:endParaRPr kumimoji="1" lang="ja-JP" altLang="en-US" sz="1200">
+              <a:latin typeface="メイリオ" pitchFamily="50" charset="-128"/>
+              <a:ea typeface="メイリオ" pitchFamily="50" charset="-128"/>
+              <a:cs typeface="メイリオ" pitchFamily="50" charset="-128"/>
+            </a:endParaRPr>
+          </a:p>
+        </p:txBody>
+      </p:sp>
+      <p:grpSp>
+        <p:nvGrpSpPr>
+          <p:cNvPr id="21" name="グループ化 20"/>
+          <p:cNvGrpSpPr/>
+          <p:nvPr/>
+        </p:nvGrpSpPr>
+        <p:grpSpPr>
+          <a:xfrm flipH="1">
+            <a:off x="7750422" y="3548328"/>
+            <a:ext cx="454493" cy="929971"/>
+            <a:chOff x="7750422" y="3548328"/>
+            <a:chExt cx="454493" cy="929971"/>
+          </a:xfrm>
+        </p:grpSpPr>
+        <p:sp>
+          <p:nvSpPr>
+            <p:cNvPr id="485" name="平行四辺形 484"/>
+            <p:cNvSpPr/>
+            <p:nvPr/>
+          </p:nvSpPr>
+          <p:spPr>
+            <a:xfrm rot="16200000">
+              <a:off x="7526126" y="3799510"/>
+              <a:ext cx="924537" cy="433041"/>
+            </a:xfrm>
+            <a:prstGeom prst="parallelogram">
+              <a:avLst>
+                <a:gd name="adj" fmla="val 56906"/>
+              </a:avLst>
+            </a:prstGeom>
+            <a:solidFill>
+              <a:schemeClr val="bg1">
+                <a:lumMod val="85000"/>
+              </a:schemeClr>
+            </a:solidFill>
+            <a:ln w="38100" cap="rnd">
+              <a:solidFill>
+                <a:schemeClr val="tx1">
+                  <a:lumMod val="65000"/>
+                  <a:lumOff val="35000"/>
+                </a:schemeClr>
+              </a:solidFill>
+            </a:ln>
+          </p:spPr>
+          <p:style>
+            <a:lnRef idx="2">
+              <a:schemeClr val="accent1">
+                <a:shade val="50000"/>
+              </a:schemeClr>
+            </a:lnRef>
+            <a:fillRef idx="1">
+              <a:schemeClr val="accent1"/>
+            </a:fillRef>
+            <a:effectRef idx="0">
+              <a:schemeClr val="accent1"/>
+            </a:effectRef>
+            <a:fontRef idx="minor">
+              <a:schemeClr val="lt1"/>
+            </a:fontRef>
+          </p:style>
+          <p:txBody>
+            <a:bodyPr rtlCol="0" anchor="ctr"/>
+            <a:lstStyle/>
+            <a:p>
+              <a:pPr algn="ctr"/>
+              <a:endParaRPr kumimoji="1" lang="ja-JP" altLang="en-US"/>
+            </a:p>
+          </p:txBody>
+        </p:sp>
+        <p:sp>
+          <p:nvSpPr>
+            <p:cNvPr id="486" name="平行四辺形 485"/>
+            <p:cNvSpPr/>
+            <p:nvPr/>
+          </p:nvSpPr>
+          <p:spPr>
+            <a:xfrm rot="16200000">
+              <a:off x="7504185" y="3794565"/>
+              <a:ext cx="922170" cy="429696"/>
+            </a:xfrm>
+            <a:prstGeom prst="parallelogram">
+              <a:avLst>
+                <a:gd name="adj" fmla="val 56906"/>
+              </a:avLst>
+            </a:prstGeom>
+            <a:solidFill>
+              <a:schemeClr val="bg1">
+                <a:lumMod val="85000"/>
+              </a:schemeClr>
+            </a:solidFill>
+            <a:ln>
+              <a:solidFill>
+                <a:schemeClr val="bg1">
+                  <a:lumMod val="50000"/>
+                </a:schemeClr>
+              </a:solidFill>
+            </a:ln>
+          </p:spPr>
+          <p:style>
+            <a:lnRef idx="2">
+              <a:schemeClr val="accent1">
+                <a:shade val="50000"/>
+              </a:schemeClr>
+            </a:lnRef>
+            <a:fillRef idx="1">
+              <a:schemeClr val="accent1"/>
+            </a:fillRef>
+            <a:effectRef idx="0">
+              <a:schemeClr val="accent1"/>
+            </a:effectRef>
+            <a:fontRef idx="minor">
+              <a:schemeClr val="lt1"/>
+            </a:fontRef>
+          </p:style>
+          <p:txBody>
+            <a:bodyPr rtlCol="0" anchor="ctr"/>
+            <a:lstStyle/>
+            <a:p>
+              <a:pPr algn="ctr"/>
+              <a:endParaRPr kumimoji="1" lang="ja-JP" altLang="en-US"/>
+            </a:p>
+          </p:txBody>
+        </p:sp>
+        <p:sp>
+          <p:nvSpPr>
+            <p:cNvPr id="487" name="平行四辺形 486"/>
+            <p:cNvSpPr/>
+            <p:nvPr/>
+          </p:nvSpPr>
+          <p:spPr>
+            <a:xfrm rot="16200000">
+              <a:off x="7540761" y="3777669"/>
+              <a:ext cx="854464" cy="409993"/>
+            </a:xfrm>
+            <a:prstGeom prst="parallelogram">
+              <a:avLst>
+                <a:gd name="adj" fmla="val 56906"/>
+              </a:avLst>
+            </a:prstGeom>
+            <a:solidFill>
+              <a:srgbClr val="4BD0FF"/>
+            </a:solidFill>
+            <a:ln w="3175" cap="rnd">
+              <a:solidFill>
+                <a:schemeClr val="tx1">
+                  <a:lumMod val="50000"/>
+                  <a:lumOff val="50000"/>
+                </a:schemeClr>
+              </a:solidFill>
+            </a:ln>
+          </p:spPr>
+          <p:style>
+            <a:lnRef idx="2">
+              <a:schemeClr val="accent1">
+                <a:shade val="50000"/>
+              </a:schemeClr>
+            </a:lnRef>
+            <a:fillRef idx="1">
+              <a:schemeClr val="accent1"/>
+            </a:fillRef>
+            <a:effectRef idx="0">
+              <a:schemeClr val="accent1"/>
+            </a:effectRef>
+            <a:fontRef idx="minor">
+              <a:schemeClr val="lt1"/>
+            </a:fontRef>
+          </p:style>
+          <p:txBody>
+            <a:bodyPr rtlCol="0" anchor="ctr"/>
+            <a:lstStyle/>
+            <a:p>
+              <a:pPr algn="ctr"/>
+              <a:endParaRPr kumimoji="1" lang="ja-JP" altLang="en-US"/>
+            </a:p>
+          </p:txBody>
+        </p:sp>
+      </p:grpSp>
+      <p:sp>
+        <p:nvSpPr>
+          <p:cNvPr id="488" name="テキスト ボックス 487"/>
+          <p:cNvSpPr txBox="1"/>
+          <p:nvPr/>
+        </p:nvSpPr>
+        <p:spPr>
+          <a:xfrm>
+            <a:off x="7654432" y="4537976"/>
+            <a:ext cx="609462" cy="276999"/>
+          </a:xfrm>
+          <a:prstGeom prst="rect">
+            <a:avLst/>
+          </a:prstGeom>
+          <a:noFill/>
+        </p:spPr>
+        <p:txBody>
+          <a:bodyPr wrap="none" rtlCol="0">
+            <a:spAutoFit/>
+          </a:bodyPr>
+          <a:lstStyle/>
+          <a:p>
+            <a:r>
+              <a:rPr lang="en-US" altLang="ja-JP" sz="1200" smtClean="0">
+                <a:latin typeface="メイリオ" pitchFamily="50" charset="-128"/>
+                <a:ea typeface="メイリオ" pitchFamily="50" charset="-128"/>
+                <a:cs typeface="メイリオ" pitchFamily="50" charset="-128"/>
+              </a:rPr>
+              <a:t>tablet</a:t>
+            </a:r>
+            <a:endParaRPr kumimoji="1" lang="ja-JP" altLang="en-US" sz="1200">
+              <a:latin typeface="メイリオ" pitchFamily="50" charset="-128"/>
+              <a:ea typeface="メイリオ" pitchFamily="50" charset="-128"/>
+              <a:cs typeface="メイリオ" pitchFamily="50" charset="-128"/>
+            </a:endParaRPr>
+          </a:p>
+        </p:txBody>
+      </p:sp>
+      <p:sp>
+        <p:nvSpPr>
+          <p:cNvPr id="507" name="テキスト ボックス 506"/>
+          <p:cNvSpPr txBox="1"/>
+          <p:nvPr/>
+        </p:nvSpPr>
+        <p:spPr>
+          <a:xfrm>
+            <a:off x="5721241" y="5746874"/>
+            <a:ext cx="623889" cy="253916"/>
+          </a:xfrm>
+          <a:prstGeom prst="rect">
+            <a:avLst/>
+          </a:prstGeom>
+          <a:noFill/>
+        </p:spPr>
+        <p:txBody>
+          <a:bodyPr wrap="none" rtlCol="0">
+            <a:spAutoFit/>
+          </a:bodyPr>
+          <a:lstStyle/>
+          <a:p>
+            <a:r>
+              <a:rPr kumimoji="1" lang="en-US" altLang="ja-JP" sz="1050" smtClean="0">
+                <a:latin typeface="メイリオ" pitchFamily="50" charset="-128"/>
+                <a:ea typeface="メイリオ" pitchFamily="50" charset="-128"/>
+                <a:cs typeface="メイリオ" pitchFamily="50" charset="-128"/>
+              </a:rPr>
+              <a:t>Router</a:t>
+            </a:r>
+            <a:endParaRPr kumimoji="1" lang="ja-JP" altLang="en-US" sz="1050">
+              <a:latin typeface="メイリオ" pitchFamily="50" charset="-128"/>
+              <a:ea typeface="メイリオ" pitchFamily="50" charset="-128"/>
+              <a:cs typeface="メイリオ" pitchFamily="50" charset="-128"/>
+            </a:endParaRPr>
+          </a:p>
+        </p:txBody>
+      </p:sp>
+      <p:grpSp>
+        <p:nvGrpSpPr>
+          <p:cNvPr id="29" name="グループ化 28"/>
+          <p:cNvGrpSpPr/>
+          <p:nvPr/>
+        </p:nvGrpSpPr>
+        <p:grpSpPr>
+          <a:xfrm>
+            <a:off x="5511472" y="4586081"/>
+            <a:ext cx="848809" cy="1124084"/>
+            <a:chOff x="5511472" y="4586081"/>
+            <a:chExt cx="848809" cy="1124084"/>
+          </a:xfrm>
+        </p:grpSpPr>
+        <p:grpSp>
+          <p:nvGrpSpPr>
+            <p:cNvPr id="508" name="グループ化 507"/>
+            <p:cNvGrpSpPr/>
+            <p:nvPr/>
+          </p:nvGrpSpPr>
+          <p:grpSpPr>
+            <a:xfrm>
+              <a:off x="5511472" y="5042083"/>
+              <a:ext cx="848809" cy="668082"/>
+              <a:chOff x="4283968" y="3480998"/>
+              <a:chExt cx="848809" cy="668082"/>
+            </a:xfrm>
+          </p:grpSpPr>
+          <p:sp>
+            <p:nvSpPr>
+              <p:cNvPr id="509" name="平行四辺形 508"/>
+              <p:cNvSpPr/>
+              <p:nvPr/>
+            </p:nvSpPr>
+            <p:spPr>
+              <a:xfrm rot="16200000">
+                <a:off x="4268303" y="3648226"/>
+                <a:ext cx="516519" cy="485190"/>
+              </a:xfrm>
+              <a:prstGeom prst="parallelogram">
+                <a:avLst>
+                  <a:gd name="adj" fmla="val 56906"/>
+                </a:avLst>
+              </a:prstGeom>
+              <a:solidFill>
+                <a:schemeClr val="tx1">
+                  <a:lumMod val="65000"/>
+                  <a:lumOff val="35000"/>
+                </a:schemeClr>
+              </a:solidFill>
+              <a:ln w="3175" cap="rnd">
+                <a:solidFill>
+                  <a:schemeClr val="tx1">
+                    <a:lumMod val="65000"/>
+                    <a:lumOff val="35000"/>
+                  </a:schemeClr>
+                </a:solidFill>
+              </a:ln>
+            </p:spPr>
+            <p:style>
+              <a:lnRef idx="2">
+                <a:schemeClr val="accent1">
+                  <a:shade val="50000"/>
+                </a:schemeClr>
+              </a:lnRef>
+              <a:fillRef idx="1">
+                <a:schemeClr val="accent1"/>
+              </a:fillRef>
+              <a:effectRef idx="0">
+                <a:schemeClr val="accent1"/>
+              </a:effectRef>
+              <a:fontRef idx="minor">
+                <a:schemeClr val="lt1"/>
+              </a:fontRef>
+            </p:style>
+            <p:txBody>
+              <a:bodyPr rtlCol="0" anchor="ctr"/>
+              <a:lstStyle/>
+              <a:p>
+                <a:pPr algn="ctr"/>
+                <a:endParaRPr kumimoji="1" lang="ja-JP" altLang="en-US"/>
+              </a:p>
+            </p:txBody>
+          </p:sp>
+          <p:sp>
+            <p:nvSpPr>
+              <p:cNvPr id="510" name="平行四辺形 509"/>
+              <p:cNvSpPr/>
+              <p:nvPr/>
+            </p:nvSpPr>
+            <p:spPr>
+              <a:xfrm rot="5400000" flipH="1">
+                <a:off x="4725949" y="3742252"/>
+                <a:ext cx="451703" cy="361953"/>
+              </a:xfrm>
+              <a:prstGeom prst="parallelogram">
+                <a:avLst>
+                  <a:gd name="adj" fmla="val 56906"/>
+                </a:avLst>
+              </a:prstGeom>
+              <a:solidFill>
+                <a:schemeClr val="tx1">
+                  <a:lumMod val="75000"/>
+                  <a:lumOff val="25000"/>
+                </a:schemeClr>
+              </a:solidFill>
+              <a:ln w="3175" cap="rnd">
+                <a:solidFill>
+                  <a:schemeClr val="tx1">
+                    <a:lumMod val="75000"/>
+                    <a:lumOff val="25000"/>
+                  </a:schemeClr>
+                </a:solidFill>
+              </a:ln>
+            </p:spPr>
+            <p:style>
+              <a:lnRef idx="2">
+                <a:schemeClr val="accent1">
+                  <a:shade val="50000"/>
+                </a:schemeClr>
+              </a:lnRef>
+              <a:fillRef idx="1">
+                <a:schemeClr val="accent1"/>
+              </a:fillRef>
+              <a:effectRef idx="0">
+                <a:schemeClr val="accent1"/>
+              </a:effectRef>
+              <a:fontRef idx="minor">
+                <a:schemeClr val="lt1"/>
+              </a:fontRef>
+            </p:style>
+            <p:txBody>
+              <a:bodyPr rtlCol="0" anchor="ctr"/>
+              <a:lstStyle/>
+              <a:p>
+                <a:pPr algn="ctr"/>
+                <a:endParaRPr kumimoji="1" lang="ja-JP" altLang="en-US"/>
+              </a:p>
+            </p:txBody>
+          </p:sp>
+          <p:sp>
+            <p:nvSpPr>
+              <p:cNvPr id="511" name="平行四辺形 510"/>
+              <p:cNvSpPr/>
+              <p:nvPr/>
+            </p:nvSpPr>
+            <p:spPr>
+              <a:xfrm rot="1800000">
+                <a:off x="4330172" y="3480998"/>
+                <a:ext cx="760983" cy="367107"/>
+              </a:xfrm>
+              <a:prstGeom prst="parallelogram">
+                <a:avLst>
+                  <a:gd name="adj" fmla="val 56906"/>
+                </a:avLst>
+              </a:prstGeom>
+              <a:solidFill>
+                <a:schemeClr val="tx1">
+                  <a:lumMod val="50000"/>
+                  <a:lumOff val="50000"/>
+                </a:schemeClr>
+              </a:solidFill>
+              <a:ln w="3175">
+                <a:solidFill>
+                  <a:schemeClr val="tx1">
+                    <a:lumMod val="50000"/>
+                    <a:lumOff val="50000"/>
+                  </a:schemeClr>
+                </a:solidFill>
+              </a:ln>
+            </p:spPr>
+            <p:style>
+              <a:lnRef idx="2">
+                <a:schemeClr val="accent1">
+                  <a:shade val="50000"/>
+                </a:schemeClr>
+              </a:lnRef>
+              <a:fillRef idx="1">
+                <a:schemeClr val="accent1"/>
+              </a:fillRef>
+              <a:effectRef idx="0">
+                <a:schemeClr val="accent1"/>
+              </a:effectRef>
+              <a:fontRef idx="minor">
+                <a:schemeClr val="lt1"/>
+              </a:fontRef>
+            </p:style>
+            <p:txBody>
+              <a:bodyPr rtlCol="0" anchor="ctr"/>
+              <a:lstStyle/>
+              <a:p>
+                <a:pPr algn="ctr"/>
+                <a:endParaRPr kumimoji="1" lang="ja-JP" altLang="en-US"/>
+              </a:p>
+            </p:txBody>
+          </p:sp>
+          <p:sp>
+            <p:nvSpPr>
+              <p:cNvPr id="512" name="円/楕円 511"/>
+              <p:cNvSpPr/>
+              <p:nvPr/>
+            </p:nvSpPr>
+            <p:spPr>
+              <a:xfrm rot="5400000">
+                <a:off x="4655369" y="3907827"/>
+                <a:ext cx="84205" cy="74003"/>
+              </a:xfrm>
+              <a:prstGeom prst="ellipse">
+                <a:avLst/>
+              </a:prstGeom>
+              <a:solidFill>
+                <a:srgbClr val="FF9900"/>
+              </a:solidFill>
+              <a:ln>
+                <a:solidFill>
+                  <a:schemeClr val="tx1">
+                    <a:lumMod val="65000"/>
+                    <a:lumOff val="35000"/>
+                  </a:schemeClr>
+                </a:solidFill>
+              </a:ln>
+            </p:spPr>
+            <p:style>
+              <a:lnRef idx="2">
+                <a:schemeClr val="accent1">
+                  <a:shade val="50000"/>
+                </a:schemeClr>
+              </a:lnRef>
+              <a:fillRef idx="1">
+                <a:schemeClr val="accent1"/>
+              </a:fillRef>
+              <a:effectRef idx="0">
+                <a:schemeClr val="accent1"/>
+              </a:effectRef>
+              <a:fontRef idx="minor">
+                <a:schemeClr val="lt1"/>
+              </a:fontRef>
+            </p:style>
+            <p:txBody>
+              <a:bodyPr rtlCol="0" anchor="ctr"/>
+              <a:lstStyle/>
+              <a:p>
+                <a:pPr algn="ctr"/>
+                <a:endParaRPr kumimoji="1" lang="ja-JP" altLang="en-US"/>
+              </a:p>
+            </p:txBody>
+          </p:sp>
+          <p:sp>
+            <p:nvSpPr>
+              <p:cNvPr id="513" name="円/楕円 512"/>
+              <p:cNvSpPr/>
+              <p:nvPr/>
+            </p:nvSpPr>
+            <p:spPr>
+              <a:xfrm rot="5400000">
+                <a:off x="4653703" y="3992032"/>
+                <a:ext cx="84205" cy="74003"/>
+              </a:xfrm>
+              <a:prstGeom prst="ellipse">
+                <a:avLst/>
+              </a:prstGeom>
+              <a:solidFill>
+                <a:srgbClr val="A6D870"/>
+              </a:solidFill>
+              <a:ln>
+                <a:solidFill>
+                  <a:schemeClr val="tx1">
+                    <a:lumMod val="65000"/>
+                    <a:lumOff val="35000"/>
+                  </a:schemeClr>
+                </a:solidFill>
+              </a:ln>
+            </p:spPr>
+            <p:style>
+              <a:lnRef idx="2">
+                <a:schemeClr val="accent1">
+                  <a:shade val="50000"/>
+                </a:schemeClr>
+              </a:lnRef>
+              <a:fillRef idx="1">
+                <a:schemeClr val="accent1"/>
+              </a:fillRef>
+              <a:effectRef idx="0">
+                <a:schemeClr val="accent1"/>
+              </a:effectRef>
+              <a:fontRef idx="minor">
+                <a:schemeClr val="lt1"/>
+              </a:fontRef>
+            </p:style>
+            <p:txBody>
+              <a:bodyPr rtlCol="0" anchor="ctr"/>
+              <a:lstStyle/>
+              <a:p>
+                <a:pPr algn="ctr"/>
+                <a:endParaRPr kumimoji="1" lang="ja-JP" altLang="en-US"/>
+              </a:p>
+            </p:txBody>
+          </p:sp>
+          <p:sp>
+            <p:nvSpPr>
+              <p:cNvPr id="514" name="平行四辺形 513"/>
+              <p:cNvSpPr/>
+              <p:nvPr/>
+            </p:nvSpPr>
+            <p:spPr>
+              <a:xfrm rot="16200000">
+                <a:off x="4296709" y="3707822"/>
+                <a:ext cx="72814" cy="45719"/>
+              </a:xfrm>
+              <a:prstGeom prst="parallelogram">
+                <a:avLst>
+                  <a:gd name="adj" fmla="val 56906"/>
+                </a:avLst>
+              </a:prstGeom>
+              <a:solidFill>
+                <a:schemeClr val="tx1">
+                  <a:lumMod val="75000"/>
+                  <a:lumOff val="25000"/>
+                </a:schemeClr>
+              </a:solidFill>
+              <a:ln w="3175" cap="rnd">
+                <a:solidFill>
+                  <a:schemeClr val="tx1">
+                    <a:lumMod val="75000"/>
+                    <a:lumOff val="25000"/>
+                  </a:schemeClr>
+                </a:solidFill>
+              </a:ln>
+            </p:spPr>
+            <p:style>
+              <a:lnRef idx="2">
+                <a:schemeClr val="accent1">
+                  <a:shade val="50000"/>
+                </a:schemeClr>
+              </a:lnRef>
+              <a:fillRef idx="1">
+                <a:schemeClr val="accent1"/>
+              </a:fillRef>
+              <a:effectRef idx="0">
+                <a:schemeClr val="accent1"/>
+              </a:effectRef>
+              <a:fontRef idx="minor">
+                <a:schemeClr val="lt1"/>
+              </a:fontRef>
+            </p:style>
+            <p:txBody>
+              <a:bodyPr rtlCol="0" anchor="ctr"/>
+              <a:lstStyle/>
+              <a:p>
+                <a:pPr algn="ctr"/>
+                <a:endParaRPr kumimoji="1" lang="ja-JP" altLang="en-US"/>
+              </a:p>
+            </p:txBody>
+          </p:sp>
+          <p:sp>
+            <p:nvSpPr>
+              <p:cNvPr id="515" name="平行四辺形 514"/>
+              <p:cNvSpPr/>
+              <p:nvPr/>
+            </p:nvSpPr>
+            <p:spPr>
+              <a:xfrm rot="16200000">
+                <a:off x="4496848" y="3826341"/>
+                <a:ext cx="72814" cy="45719"/>
+              </a:xfrm>
+              <a:prstGeom prst="parallelogram">
+                <a:avLst>
+                  <a:gd name="adj" fmla="val 56906"/>
+                </a:avLst>
+              </a:prstGeom>
+              <a:solidFill>
+                <a:schemeClr val="tx1">
+                  <a:lumMod val="75000"/>
+                  <a:lumOff val="25000"/>
+                </a:schemeClr>
+              </a:solidFill>
+              <a:ln w="3175" cap="rnd">
+                <a:solidFill>
+                  <a:schemeClr val="tx1">
+                    <a:lumMod val="75000"/>
+                    <a:lumOff val="25000"/>
+                  </a:schemeClr>
+                </a:solidFill>
+              </a:ln>
+            </p:spPr>
+            <p:style>
+              <a:lnRef idx="2">
+                <a:schemeClr val="accent1">
+                  <a:shade val="50000"/>
+                </a:schemeClr>
+              </a:lnRef>
+              <a:fillRef idx="1">
+                <a:schemeClr val="accent1"/>
+              </a:fillRef>
+              <a:effectRef idx="0">
+                <a:schemeClr val="accent1"/>
+              </a:effectRef>
+              <a:fontRef idx="minor">
+                <a:schemeClr val="lt1"/>
+              </a:fontRef>
+            </p:style>
+            <p:txBody>
+              <a:bodyPr rtlCol="0" anchor="ctr"/>
+              <a:lstStyle/>
+              <a:p>
+                <a:pPr algn="ctr"/>
+                <a:endParaRPr kumimoji="1" lang="ja-JP" altLang="en-US"/>
+              </a:p>
+            </p:txBody>
+          </p:sp>
+          <p:sp>
+            <p:nvSpPr>
+              <p:cNvPr id="516" name="平行四辺形 515"/>
+              <p:cNvSpPr/>
+              <p:nvPr/>
+            </p:nvSpPr>
+            <p:spPr>
+              <a:xfrm rot="16200000">
+                <a:off x="4563561" y="3864262"/>
+                <a:ext cx="72814" cy="45719"/>
+              </a:xfrm>
+              <a:prstGeom prst="parallelogram">
+                <a:avLst>
+                  <a:gd name="adj" fmla="val 56906"/>
+                </a:avLst>
+              </a:prstGeom>
+              <a:solidFill>
+                <a:schemeClr val="tx1">
+                  <a:lumMod val="75000"/>
+                  <a:lumOff val="25000"/>
+                </a:schemeClr>
+              </a:solidFill>
+              <a:ln w="3175" cap="rnd">
+                <a:solidFill>
+                  <a:schemeClr val="tx1">
+                    <a:lumMod val="75000"/>
+                    <a:lumOff val="25000"/>
+                  </a:schemeClr>
+                </a:solidFill>
+              </a:ln>
+            </p:spPr>
+            <p:style>
+              <a:lnRef idx="2">
+                <a:schemeClr val="accent1">
+                  <a:shade val="50000"/>
+                </a:schemeClr>
+              </a:lnRef>
+              <a:fillRef idx="1">
+                <a:schemeClr val="accent1"/>
+              </a:fillRef>
+              <a:effectRef idx="0">
+                <a:schemeClr val="accent1"/>
+              </a:effectRef>
+              <a:fontRef idx="minor">
+                <a:schemeClr val="lt1"/>
+              </a:fontRef>
+            </p:style>
+            <p:txBody>
+              <a:bodyPr rtlCol="0" anchor="ctr"/>
+              <a:lstStyle/>
+              <a:p>
+                <a:pPr algn="ctr"/>
+                <a:endParaRPr kumimoji="1" lang="ja-JP" altLang="en-US"/>
+              </a:p>
+            </p:txBody>
+          </p:sp>
+          <p:sp>
+            <p:nvSpPr>
+              <p:cNvPr id="517" name="平行四辺形 516"/>
+              <p:cNvSpPr/>
+              <p:nvPr/>
+            </p:nvSpPr>
+            <p:spPr>
+              <a:xfrm rot="16200000">
+                <a:off x="4363422" y="3748122"/>
+                <a:ext cx="72814" cy="45719"/>
+              </a:xfrm>
+              <a:prstGeom prst="parallelogram">
+                <a:avLst>
+                  <a:gd name="adj" fmla="val 56906"/>
+                </a:avLst>
+              </a:prstGeom>
+              <a:solidFill>
+                <a:schemeClr val="tx1">
+                  <a:lumMod val="75000"/>
+                  <a:lumOff val="25000"/>
+                </a:schemeClr>
+              </a:solidFill>
+              <a:ln w="3175" cap="rnd">
+                <a:solidFill>
+                  <a:schemeClr val="tx1">
+                    <a:lumMod val="75000"/>
+                    <a:lumOff val="25000"/>
+                  </a:schemeClr>
+                </a:solidFill>
+              </a:ln>
+            </p:spPr>
+            <p:style>
+              <a:lnRef idx="2">
+                <a:schemeClr val="accent1">
+                  <a:shade val="50000"/>
+                </a:schemeClr>
+              </a:lnRef>
+              <a:fillRef idx="1">
+                <a:schemeClr val="accent1"/>
+              </a:fillRef>
+              <a:effectRef idx="0">
+                <a:schemeClr val="accent1"/>
+              </a:effectRef>
+              <a:fontRef idx="minor">
+                <a:schemeClr val="lt1"/>
+              </a:fontRef>
+            </p:style>
+            <p:txBody>
+              <a:bodyPr rtlCol="0" anchor="ctr"/>
+              <a:lstStyle/>
+              <a:p>
+                <a:pPr algn="ctr"/>
+                <a:endParaRPr kumimoji="1" lang="ja-JP" altLang="en-US"/>
+              </a:p>
+            </p:txBody>
+          </p:sp>
+          <p:sp>
+            <p:nvSpPr>
+              <p:cNvPr id="518" name="平行四辺形 517"/>
+              <p:cNvSpPr/>
+              <p:nvPr/>
+            </p:nvSpPr>
+            <p:spPr>
+              <a:xfrm rot="16200000">
+                <a:off x="4430135" y="3786041"/>
+                <a:ext cx="72814" cy="45719"/>
+              </a:xfrm>
+              <a:prstGeom prst="parallelogram">
+                <a:avLst>
+                  <a:gd name="adj" fmla="val 56906"/>
+                </a:avLst>
+              </a:prstGeom>
+              <a:solidFill>
+                <a:schemeClr val="tx1">
+                  <a:lumMod val="75000"/>
+                  <a:lumOff val="25000"/>
+                </a:schemeClr>
+              </a:solidFill>
+              <a:ln w="3175" cap="rnd">
+                <a:solidFill>
+                  <a:schemeClr val="tx1">
+                    <a:lumMod val="75000"/>
+                    <a:lumOff val="25000"/>
+                  </a:schemeClr>
+                </a:solidFill>
+              </a:ln>
+            </p:spPr>
+            <p:style>
+              <a:lnRef idx="2">
+                <a:schemeClr val="accent1">
+                  <a:shade val="50000"/>
+                </a:schemeClr>
+              </a:lnRef>
+              <a:fillRef idx="1">
+                <a:schemeClr val="accent1"/>
+              </a:fillRef>
+              <a:effectRef idx="0">
+                <a:schemeClr val="accent1"/>
+              </a:effectRef>
+              <a:fontRef idx="minor">
+                <a:schemeClr val="lt1"/>
+              </a:fontRef>
+            </p:style>
+            <p:txBody>
+              <a:bodyPr rtlCol="0" anchor="ctr"/>
+              <a:lstStyle/>
+              <a:p>
+                <a:pPr algn="ctr"/>
+                <a:endParaRPr kumimoji="1" lang="ja-JP" altLang="en-US"/>
+              </a:p>
+            </p:txBody>
+          </p:sp>
+          <p:sp>
+            <p:nvSpPr>
+              <p:cNvPr id="519" name="平行四辺形 518"/>
+              <p:cNvSpPr/>
+              <p:nvPr/>
+            </p:nvSpPr>
+            <p:spPr>
+              <a:xfrm rot="16200000">
+                <a:off x="4298993" y="3788302"/>
+                <a:ext cx="72814" cy="45719"/>
+              </a:xfrm>
+              <a:prstGeom prst="parallelogram">
+                <a:avLst>
+                  <a:gd name="adj" fmla="val 56906"/>
+                </a:avLst>
+              </a:prstGeom>
+              <a:solidFill>
+                <a:schemeClr val="tx1">
+                  <a:lumMod val="75000"/>
+                  <a:lumOff val="25000"/>
+                </a:schemeClr>
+              </a:solidFill>
+              <a:ln w="3175" cap="rnd">
+                <a:solidFill>
+                  <a:schemeClr val="tx1">
+                    <a:lumMod val="75000"/>
+                    <a:lumOff val="25000"/>
+                  </a:schemeClr>
+                </a:solidFill>
+              </a:ln>
+            </p:spPr>
+            <p:style>
+              <a:lnRef idx="2">
+                <a:schemeClr val="accent1">
+                  <a:shade val="50000"/>
+                </a:schemeClr>
+              </a:lnRef>
+              <a:fillRef idx="1">
+                <a:schemeClr val="accent1"/>
+              </a:fillRef>
+              <a:effectRef idx="0">
+                <a:schemeClr val="accent1"/>
+              </a:effectRef>
+              <a:fontRef idx="minor">
+                <a:schemeClr val="lt1"/>
+              </a:fontRef>
+            </p:style>
+            <p:txBody>
+              <a:bodyPr rtlCol="0" anchor="ctr"/>
+              <a:lstStyle/>
+              <a:p>
+                <a:pPr algn="ctr"/>
+                <a:endParaRPr kumimoji="1" lang="ja-JP" altLang="en-US"/>
+              </a:p>
+            </p:txBody>
+          </p:sp>
+          <p:sp>
+            <p:nvSpPr>
+              <p:cNvPr id="520" name="平行四辺形 519"/>
+              <p:cNvSpPr/>
+              <p:nvPr/>
+            </p:nvSpPr>
+            <p:spPr>
+              <a:xfrm rot="16200000">
+                <a:off x="4499132" y="3906821"/>
+                <a:ext cx="72814" cy="45719"/>
+              </a:xfrm>
+              <a:prstGeom prst="parallelogram">
+                <a:avLst>
+                  <a:gd name="adj" fmla="val 56906"/>
+                </a:avLst>
+              </a:prstGeom>
+              <a:solidFill>
+                <a:schemeClr val="tx1">
+                  <a:lumMod val="75000"/>
+                  <a:lumOff val="25000"/>
+                </a:schemeClr>
+              </a:solidFill>
+              <a:ln w="3175" cap="rnd">
+                <a:solidFill>
+                  <a:schemeClr val="tx1">
+                    <a:lumMod val="75000"/>
+                    <a:lumOff val="25000"/>
+                  </a:schemeClr>
+                </a:solidFill>
+              </a:ln>
+            </p:spPr>
+            <p:style>
+              <a:lnRef idx="2">
+                <a:schemeClr val="accent1">
+                  <a:shade val="50000"/>
+                </a:schemeClr>
+              </a:lnRef>
+              <a:fillRef idx="1">
+                <a:schemeClr val="accent1"/>
+              </a:fillRef>
+              <a:effectRef idx="0">
+                <a:schemeClr val="accent1"/>
+              </a:effectRef>
+              <a:fontRef idx="minor">
+                <a:schemeClr val="lt1"/>
+              </a:fontRef>
+            </p:style>
+            <p:txBody>
+              <a:bodyPr rtlCol="0" anchor="ctr"/>
+              <a:lstStyle/>
+              <a:p>
+                <a:pPr algn="ctr"/>
+                <a:endParaRPr kumimoji="1" lang="ja-JP" altLang="en-US"/>
+              </a:p>
+            </p:txBody>
+          </p:sp>
+          <p:sp>
+            <p:nvSpPr>
+              <p:cNvPr id="521" name="平行四辺形 520"/>
+              <p:cNvSpPr/>
+              <p:nvPr/>
+            </p:nvSpPr>
+            <p:spPr>
+              <a:xfrm rot="16200000">
+                <a:off x="4565845" y="3944742"/>
+                <a:ext cx="72814" cy="45719"/>
+              </a:xfrm>
+              <a:prstGeom prst="parallelogram">
+                <a:avLst>
+                  <a:gd name="adj" fmla="val 56906"/>
+                </a:avLst>
+              </a:prstGeom>
+              <a:solidFill>
+                <a:schemeClr val="tx1">
+                  <a:lumMod val="75000"/>
+                  <a:lumOff val="25000"/>
+                </a:schemeClr>
+              </a:solidFill>
+              <a:ln w="3175" cap="rnd">
+                <a:solidFill>
+                  <a:schemeClr val="tx1">
+                    <a:lumMod val="75000"/>
+                    <a:lumOff val="25000"/>
+                  </a:schemeClr>
+                </a:solidFill>
+              </a:ln>
+            </p:spPr>
+            <p:style>
+              <a:lnRef idx="2">
+                <a:schemeClr val="accent1">
+                  <a:shade val="50000"/>
+                </a:schemeClr>
+              </a:lnRef>
+              <a:fillRef idx="1">
+                <a:schemeClr val="accent1"/>
+              </a:fillRef>
+              <a:effectRef idx="0">
+                <a:schemeClr val="accent1"/>
+              </a:effectRef>
+              <a:fontRef idx="minor">
+                <a:schemeClr val="lt1"/>
+              </a:fontRef>
+            </p:style>
+            <p:txBody>
+              <a:bodyPr rtlCol="0" anchor="ctr"/>
+              <a:lstStyle/>
+              <a:p>
+                <a:pPr algn="ctr"/>
+                <a:endParaRPr kumimoji="1" lang="ja-JP" altLang="en-US"/>
+              </a:p>
+            </p:txBody>
+          </p:sp>
+          <p:sp>
+            <p:nvSpPr>
+              <p:cNvPr id="522" name="平行四辺形 521"/>
+              <p:cNvSpPr/>
+              <p:nvPr/>
+            </p:nvSpPr>
+            <p:spPr>
+              <a:xfrm rot="16200000">
+                <a:off x="4365706" y="3828602"/>
+                <a:ext cx="72814" cy="45719"/>
+              </a:xfrm>
+              <a:prstGeom prst="parallelogram">
+                <a:avLst>
+                  <a:gd name="adj" fmla="val 56906"/>
+                </a:avLst>
+              </a:prstGeom>
+              <a:solidFill>
+                <a:schemeClr val="tx1">
+                  <a:lumMod val="75000"/>
+                  <a:lumOff val="25000"/>
+                </a:schemeClr>
+              </a:solidFill>
+              <a:ln w="3175" cap="rnd">
+                <a:solidFill>
+                  <a:schemeClr val="tx1">
+                    <a:lumMod val="75000"/>
+                    <a:lumOff val="25000"/>
+                  </a:schemeClr>
+                </a:solidFill>
+              </a:ln>
+            </p:spPr>
+            <p:style>
+              <a:lnRef idx="2">
+                <a:schemeClr val="accent1">
+                  <a:shade val="50000"/>
+                </a:schemeClr>
+              </a:lnRef>
+              <a:fillRef idx="1">
+                <a:schemeClr val="accent1"/>
+              </a:fillRef>
+              <a:effectRef idx="0">
+                <a:schemeClr val="accent1"/>
+              </a:effectRef>
+              <a:fontRef idx="minor">
+                <a:schemeClr val="lt1"/>
+              </a:fontRef>
+            </p:style>
+            <p:txBody>
+              <a:bodyPr rtlCol="0" anchor="ctr"/>
+              <a:lstStyle/>
+              <a:p>
+                <a:pPr algn="ctr"/>
+                <a:endParaRPr kumimoji="1" lang="ja-JP" altLang="en-US"/>
+              </a:p>
+            </p:txBody>
+          </p:sp>
+          <p:sp>
+            <p:nvSpPr>
+              <p:cNvPr id="523" name="平行四辺形 522"/>
+              <p:cNvSpPr/>
+              <p:nvPr/>
+            </p:nvSpPr>
+            <p:spPr>
+              <a:xfrm rot="16200000">
+                <a:off x="4432419" y="3866521"/>
+                <a:ext cx="72814" cy="45719"/>
+              </a:xfrm>
+              <a:prstGeom prst="parallelogram">
+                <a:avLst>
+                  <a:gd name="adj" fmla="val 56906"/>
+                </a:avLst>
+              </a:prstGeom>
+              <a:solidFill>
+                <a:schemeClr val="tx1">
+                  <a:lumMod val="75000"/>
+                  <a:lumOff val="25000"/>
+                </a:schemeClr>
+              </a:solidFill>
+              <a:ln w="3175" cap="rnd">
+                <a:solidFill>
+                  <a:schemeClr val="tx1">
+                    <a:lumMod val="75000"/>
+                    <a:lumOff val="25000"/>
+                  </a:schemeClr>
+                </a:solidFill>
+              </a:ln>
+            </p:spPr>
+            <p:style>
+              <a:lnRef idx="2">
+                <a:schemeClr val="accent1">
+                  <a:shade val="50000"/>
+                </a:schemeClr>
+              </a:lnRef>
+              <a:fillRef idx="1">
+                <a:schemeClr val="accent1"/>
+              </a:fillRef>
+              <a:effectRef idx="0">
+                <a:schemeClr val="accent1"/>
+              </a:effectRef>
+              <a:fontRef idx="minor">
+                <a:schemeClr val="lt1"/>
+              </a:fontRef>
+            </p:style>
+            <p:txBody>
+              <a:bodyPr rtlCol="0" anchor="ctr"/>
+              <a:lstStyle/>
+              <a:p>
+                <a:pPr algn="ctr"/>
+                <a:endParaRPr kumimoji="1" lang="ja-JP" altLang="en-US"/>
+              </a:p>
+            </p:txBody>
+          </p:sp>
+        </p:grpSp>
+        <p:sp>
+          <p:nvSpPr>
+            <p:cNvPr id="524" name="ドーナツ 523"/>
+            <p:cNvSpPr/>
+            <p:nvPr/>
+          </p:nvSpPr>
+          <p:spPr>
+            <a:xfrm>
+              <a:off x="5915259" y="4586081"/>
+              <a:ext cx="220113" cy="220113"/>
+            </a:xfrm>
+            <a:prstGeom prst="donut">
+              <a:avLst/>
+            </a:prstGeom>
+            <a:solidFill>
+              <a:schemeClr val="bg1"/>
+            </a:solidFill>
+            <a:ln>
+              <a:solidFill>
+                <a:schemeClr val="tx1">
+                  <a:lumMod val="50000"/>
+                  <a:lumOff val="50000"/>
+                </a:schemeClr>
+              </a:solidFill>
+            </a:ln>
+          </p:spPr>
+          <p:style>
+            <a:lnRef idx="2">
+              <a:schemeClr val="accent1">
+                <a:shade val="50000"/>
+              </a:schemeClr>
+            </a:lnRef>
+            <a:fillRef idx="1">
+              <a:schemeClr val="accent1"/>
+            </a:fillRef>
+            <a:effectRef idx="0">
+              <a:schemeClr val="accent1"/>
+            </a:effectRef>
+            <a:fontRef idx="minor">
+              <a:schemeClr val="lt1"/>
+            </a:fontRef>
+          </p:style>
+          <p:txBody>
+            <a:bodyPr rtlCol="0" anchor="ctr"/>
+            <a:lstStyle/>
+            <a:p>
+              <a:pPr algn="ctr"/>
+              <a:endParaRPr kumimoji="1" lang="ja-JP" altLang="en-US">
+                <a:solidFill>
+                  <a:schemeClr val="tx1"/>
+                </a:solidFill>
+              </a:endParaRPr>
+            </a:p>
+          </p:txBody>
+        </p:sp>
+        <p:sp>
+          <p:nvSpPr>
+            <p:cNvPr id="525" name="パイ 524"/>
+            <p:cNvSpPr/>
+            <p:nvPr/>
+          </p:nvSpPr>
+          <p:spPr>
+            <a:xfrm rot="18647242">
+              <a:off x="5890536" y="4586696"/>
+              <a:ext cx="288032" cy="288032"/>
+            </a:xfrm>
+            <a:prstGeom prst="pie">
+              <a:avLst/>
+            </a:prstGeom>
+            <a:solidFill>
+              <a:schemeClr val="bg1"/>
+            </a:solidFill>
+            <a:ln>
+              <a:solidFill>
+                <a:schemeClr val="bg1"/>
+              </a:solidFill>
+            </a:ln>
+          </p:spPr>
+          <p:style>
+            <a:lnRef idx="2">
+              <a:schemeClr val="accent1">
+                <a:shade val="50000"/>
+              </a:schemeClr>
+            </a:lnRef>
+            <a:fillRef idx="1">
+              <a:schemeClr val="accent1"/>
+            </a:fillRef>
+            <a:effectRef idx="0">
+              <a:schemeClr val="accent1"/>
+            </a:effectRef>
+            <a:fontRef idx="minor">
+              <a:schemeClr val="lt1"/>
+            </a:fontRef>
+          </p:style>
+          <p:txBody>
+            <a:bodyPr rtlCol="0" anchor="ctr"/>
+            <a:lstStyle/>
+            <a:p>
+              <a:pPr algn="ctr"/>
+              <a:endParaRPr kumimoji="1" lang="ja-JP" altLang="en-US">
+                <a:solidFill>
+                  <a:schemeClr val="tx1"/>
+                </a:solidFill>
+              </a:endParaRPr>
+            </a:p>
+          </p:txBody>
+        </p:sp>
+        <p:cxnSp>
+          <p:nvCxnSpPr>
+            <p:cNvPr id="526" name="カギ線コネクタ 34"/>
+            <p:cNvCxnSpPr/>
+            <p:nvPr/>
+          </p:nvCxnSpPr>
+          <p:spPr>
+            <a:xfrm flipH="1">
+              <a:off x="5887583" y="4770408"/>
+              <a:ext cx="143157" cy="557746"/>
+            </a:xfrm>
+            <a:prstGeom prst="straightConnector1">
+              <a:avLst/>
+            </a:prstGeom>
+            <a:ln w="41275" cap="rnd">
+              <a:solidFill>
+                <a:schemeClr val="bg1">
+                  <a:lumMod val="50000"/>
+                </a:schemeClr>
+              </a:solidFill>
+              <a:headEnd type="oval"/>
+              <a:tailEnd type="oval"/>
+            </a:ln>
+          </p:spPr>
+          <p:style>
+            <a:lnRef idx="1">
+              <a:schemeClr val="accent1"/>
+            </a:lnRef>
+            <a:fillRef idx="0">
+              <a:schemeClr val="accent1"/>
+            </a:fillRef>
+            <a:effectRef idx="0">
+              <a:schemeClr val="accent1"/>
+            </a:effectRef>
+            <a:fontRef idx="minor">
+              <a:schemeClr val="tx1"/>
+            </a:fontRef>
+          </p:style>
+        </p:cxnSp>
+      </p:grpSp>
+      <p:sp>
+        <p:nvSpPr>
+          <p:cNvPr id="531" name="テキスト ボックス 530"/>
+          <p:cNvSpPr txBox="1"/>
+          <p:nvPr/>
+        </p:nvSpPr>
+        <p:spPr>
+          <a:xfrm>
+            <a:off x="1309629" y="3168259"/>
+            <a:ext cx="479618" cy="276999"/>
+          </a:xfrm>
+          <a:prstGeom prst="rect">
+            <a:avLst/>
+          </a:prstGeom>
+          <a:noFill/>
+        </p:spPr>
+        <p:txBody>
+          <a:bodyPr wrap="none" rtlCol="0">
+            <a:spAutoFit/>
+          </a:bodyPr>
+          <a:lstStyle/>
+          <a:p>
+            <a:r>
+              <a:rPr lang="en-US" altLang="ja-JP" sz="1200" smtClean="0">
+                <a:latin typeface="メイリオ" pitchFamily="50" charset="-128"/>
+                <a:ea typeface="メイリオ" pitchFamily="50" charset="-128"/>
+                <a:cs typeface="メイリオ" pitchFamily="50" charset="-128"/>
+              </a:rPr>
+              <a:t>Mail</a:t>
+            </a:r>
+            <a:endParaRPr kumimoji="1" lang="ja-JP" altLang="en-US" sz="1200">
+              <a:latin typeface="メイリオ" pitchFamily="50" charset="-128"/>
+              <a:ea typeface="メイリオ" pitchFamily="50" charset="-128"/>
+              <a:cs typeface="メイリオ" pitchFamily="50" charset="-128"/>
+            </a:endParaRPr>
+          </a:p>
+        </p:txBody>
+      </p:sp>
+      <p:sp>
+        <p:nvSpPr>
+          <p:cNvPr id="536" name="平行四辺形 535"/>
+          <p:cNvSpPr/>
+          <p:nvPr/>
+        </p:nvSpPr>
+        <p:spPr>
+          <a:xfrm rot="5400000" flipH="1">
+            <a:off x="1290751" y="2488640"/>
+            <a:ext cx="708729" cy="429609"/>
+          </a:xfrm>
+          <a:prstGeom prst="parallelogram">
+            <a:avLst>
+              <a:gd name="adj" fmla="val 56906"/>
+            </a:avLst>
+          </a:prstGeom>
+          <a:solidFill>
+            <a:schemeClr val="bg1">
+              <a:lumMod val="95000"/>
+            </a:schemeClr>
+          </a:solidFill>
+          <a:ln w="28575" cap="rnd">
+            <a:solidFill>
+              <a:schemeClr val="bg1">
+                <a:lumMod val="75000"/>
+              </a:schemeClr>
+            </a:solidFill>
+          </a:ln>
+        </p:spPr>
+        <p:style>
+          <a:lnRef idx="2">
+            <a:schemeClr val="accent1">
+              <a:shade val="50000"/>
+            </a:schemeClr>
+          </a:lnRef>
+          <a:fillRef idx="1">
+            <a:schemeClr val="accent1"/>
+          </a:fillRef>
+          <a:effectRef idx="0">
+            <a:schemeClr val="accent1"/>
+          </a:effectRef>
+          <a:fontRef idx="minor">
+            <a:schemeClr val="lt1"/>
+          </a:fontRef>
+        </p:style>
+        <p:txBody>
+          <a:bodyPr rtlCol="0" anchor="ctr"/>
+          <a:lstStyle/>
+          <a:p>
+            <a:pPr algn="ctr"/>
+            <a:endParaRPr kumimoji="1" lang="ja-JP" altLang="en-US"/>
+          </a:p>
+        </p:txBody>
+      </p:sp>
+      <p:sp>
+        <p:nvSpPr>
+          <p:cNvPr id="537" name="平行四辺形 536"/>
+          <p:cNvSpPr/>
+          <p:nvPr/>
+        </p:nvSpPr>
+        <p:spPr>
+          <a:xfrm rot="5400000" flipH="1">
+            <a:off x="1304908" y="2479788"/>
+            <a:ext cx="698823" cy="429609"/>
+          </a:xfrm>
+          <a:prstGeom prst="parallelogram">
+            <a:avLst>
+              <a:gd name="adj" fmla="val 56906"/>
+            </a:avLst>
+          </a:prstGeom>
+          <a:solidFill>
+            <a:schemeClr val="bg1">
+              <a:lumMod val="95000"/>
+            </a:schemeClr>
+          </a:solidFill>
+          <a:ln w="0" cap="rnd">
+            <a:solidFill>
+              <a:schemeClr val="bg1">
+                <a:lumMod val="75000"/>
+              </a:schemeClr>
+            </a:solidFill>
+          </a:ln>
+        </p:spPr>
+        <p:style>
+          <a:lnRef idx="2">
+            <a:schemeClr val="accent1">
+              <a:shade val="50000"/>
+            </a:schemeClr>
+          </a:lnRef>
+          <a:fillRef idx="1">
+            <a:schemeClr val="accent1"/>
+          </a:fillRef>
+          <a:effectRef idx="0">
+            <a:schemeClr val="accent1"/>
+          </a:effectRef>
+          <a:fontRef idx="minor">
+            <a:schemeClr val="lt1"/>
+          </a:fontRef>
+        </p:style>
+        <p:txBody>
+          <a:bodyPr rtlCol="0" anchor="ctr"/>
+          <a:lstStyle/>
+          <a:p>
+            <a:pPr algn="ctr"/>
+            <a:endParaRPr kumimoji="1" lang="ja-JP" altLang="en-US"/>
+          </a:p>
+        </p:txBody>
+      </p:sp>
+      <p:sp>
+        <p:nvSpPr>
+          <p:cNvPr id="538" name="二等辺三角形 537"/>
+          <p:cNvSpPr/>
+          <p:nvPr/>
+        </p:nvSpPr>
+        <p:spPr>
+          <a:xfrm rot="19800000">
+            <a:off x="1320643" y="2638648"/>
+            <a:ext cx="471977" cy="335514"/>
+          </a:xfrm>
+          <a:prstGeom prst="triangle">
+            <a:avLst>
+              <a:gd name="adj" fmla="val 100000"/>
+            </a:avLst>
+          </a:prstGeom>
+          <a:solidFill>
+            <a:schemeClr val="bg1"/>
+          </a:solidFill>
+          <a:ln w="3175">
+            <a:solidFill>
+              <a:schemeClr val="bg1">
+                <a:lumMod val="85000"/>
+              </a:schemeClr>
+            </a:solidFill>
+          </a:ln>
+        </p:spPr>
+        <p:style>
+          <a:lnRef idx="2">
+            <a:schemeClr val="accent1">
+              <a:shade val="50000"/>
+            </a:schemeClr>
+          </a:lnRef>
+          <a:fillRef idx="1">
+            <a:schemeClr val="accent1"/>
+          </a:fillRef>
+          <a:effectRef idx="0">
+            <a:schemeClr val="accent1"/>
+          </a:effectRef>
+          <a:fontRef idx="minor">
+            <a:schemeClr val="lt1"/>
+          </a:fontRef>
+        </p:style>
+        <p:txBody>
+          <a:bodyPr rtlCol="0" anchor="ctr"/>
+          <a:lstStyle/>
+          <a:p>
+            <a:pPr algn="ctr"/>
+            <a:endParaRPr kumimoji="1" lang="ja-JP" altLang="en-US"/>
+          </a:p>
+        </p:txBody>
+      </p:sp>
+      <p:sp>
+        <p:nvSpPr>
+          <p:cNvPr id="539" name="二等辺三角形 538"/>
+          <p:cNvSpPr/>
+          <p:nvPr/>
+        </p:nvSpPr>
+        <p:spPr>
+          <a:xfrm rot="19800000" flipV="1">
+            <a:off x="1500514" y="2456531"/>
+            <a:ext cx="471978" cy="335514"/>
+          </a:xfrm>
+          <a:prstGeom prst="triangle">
+            <a:avLst>
+              <a:gd name="adj" fmla="val 22257"/>
+            </a:avLst>
+          </a:prstGeom>
+          <a:solidFill>
+            <a:schemeClr val="bg1"/>
+          </a:solidFill>
+          <a:ln w="3175">
+            <a:solidFill>
+              <a:schemeClr val="bg1">
+                <a:lumMod val="75000"/>
+              </a:schemeClr>
+            </a:solidFill>
+          </a:ln>
+        </p:spPr>
+        <p:style>
+          <a:lnRef idx="2">
+            <a:schemeClr val="accent1">
+              <a:shade val="50000"/>
+            </a:schemeClr>
+          </a:lnRef>
+          <a:fillRef idx="1">
+            <a:schemeClr val="accent1"/>
+          </a:fillRef>
+          <a:effectRef idx="0">
+            <a:schemeClr val="accent1"/>
+          </a:effectRef>
+          <a:fontRef idx="minor">
+            <a:schemeClr val="lt1"/>
+          </a:fontRef>
+        </p:style>
+        <p:txBody>
+          <a:bodyPr rtlCol="0" anchor="ctr"/>
+          <a:lstStyle/>
+          <a:p>
+            <a:pPr algn="ctr"/>
+            <a:endParaRPr kumimoji="1" lang="ja-JP" altLang="en-US"/>
+          </a:p>
+        </p:txBody>
+      </p:sp>
+      <p:sp>
+        <p:nvSpPr>
+          <p:cNvPr id="550" name="テキスト ボックス 549"/>
+          <p:cNvSpPr txBox="1"/>
+          <p:nvPr/>
+        </p:nvSpPr>
+        <p:spPr>
+          <a:xfrm>
+            <a:off x="5619677" y="1601025"/>
+            <a:ext cx="553357" cy="253916"/>
+          </a:xfrm>
+          <a:prstGeom prst="rect">
+            <a:avLst/>
+          </a:prstGeom>
+          <a:noFill/>
+        </p:spPr>
+        <p:txBody>
+          <a:bodyPr wrap="none" rtlCol="0">
+            <a:spAutoFit/>
+          </a:bodyPr>
+          <a:lstStyle/>
+          <a:p>
+            <a:r>
+              <a:rPr kumimoji="1" lang="en-US" altLang="ja-JP" sz="1050" smtClean="0">
+                <a:latin typeface="メイリオ" pitchFamily="50" charset="-128"/>
+                <a:ea typeface="メイリオ" pitchFamily="50" charset="-128"/>
+                <a:cs typeface="メイリオ" pitchFamily="50" charset="-128"/>
+              </a:rPr>
+              <a:t>Cloud</a:t>
+            </a:r>
+            <a:endParaRPr kumimoji="1" lang="ja-JP" altLang="en-US" sz="1050">
+              <a:latin typeface="メイリオ" pitchFamily="50" charset="-128"/>
+              <a:ea typeface="メイリオ" pitchFamily="50" charset="-128"/>
+              <a:cs typeface="メイリオ" pitchFamily="50" charset="-128"/>
+            </a:endParaRPr>
+          </a:p>
+        </p:txBody>
+      </p:sp>
+      <p:grpSp>
+        <p:nvGrpSpPr>
+          <p:cNvPr id="551" name="グループ化 550"/>
+          <p:cNvGrpSpPr/>
+          <p:nvPr/>
+        </p:nvGrpSpPr>
+        <p:grpSpPr>
+          <a:xfrm>
+            <a:off x="5264851" y="549446"/>
+            <a:ext cx="1151920" cy="1045681"/>
+            <a:chOff x="3883487" y="1893105"/>
+            <a:chExt cx="1151920" cy="1045681"/>
+          </a:xfrm>
+        </p:grpSpPr>
+        <p:grpSp>
+          <p:nvGrpSpPr>
+            <p:cNvPr id="552" name="グループ化 551"/>
+            <p:cNvGrpSpPr/>
+            <p:nvPr/>
+          </p:nvGrpSpPr>
+          <p:grpSpPr>
+            <a:xfrm>
+              <a:off x="3883487" y="1924332"/>
+              <a:ext cx="1085677" cy="1014454"/>
+              <a:chOff x="3792312" y="1924332"/>
+              <a:chExt cx="1085677" cy="1014454"/>
+            </a:xfrm>
+            <a:solidFill>
+              <a:schemeClr val="bg1">
+                <a:lumMod val="85000"/>
+              </a:schemeClr>
+            </a:solidFill>
+          </p:grpSpPr>
+          <p:sp>
+            <p:nvSpPr>
+              <p:cNvPr id="563" name="円/楕円 562"/>
+              <p:cNvSpPr/>
+              <p:nvPr/>
+            </p:nvSpPr>
+            <p:spPr>
+              <a:xfrm>
+                <a:off x="3792312" y="2481622"/>
+                <a:ext cx="397164" cy="457164"/>
+              </a:xfrm>
+              <a:prstGeom prst="ellipse">
+                <a:avLst/>
+              </a:prstGeom>
+              <a:grpFill/>
+              <a:ln>
+                <a:solidFill>
+                  <a:schemeClr val="bg1">
+                    <a:lumMod val="85000"/>
+                  </a:schemeClr>
+                </a:solidFill>
+              </a:ln>
+            </p:spPr>
+            <p:style>
+              <a:lnRef idx="2">
+                <a:schemeClr val="accent1">
+                  <a:shade val="50000"/>
+                </a:schemeClr>
+              </a:lnRef>
+              <a:fillRef idx="1">
+                <a:schemeClr val="accent1"/>
+              </a:fillRef>
+              <a:effectRef idx="0">
+                <a:schemeClr val="accent1"/>
+              </a:effectRef>
+              <a:fontRef idx="minor">
+                <a:schemeClr val="lt1"/>
+              </a:fontRef>
+            </p:style>
+            <p:txBody>
+              <a:bodyPr rtlCol="0" anchor="ctr"/>
+              <a:lstStyle/>
+              <a:p>
+                <a:pPr algn="ctr"/>
+                <a:endParaRPr kumimoji="1" lang="ja-JP" altLang="en-US"/>
+              </a:p>
+            </p:txBody>
+          </p:sp>
+          <p:sp>
+            <p:nvSpPr>
+              <p:cNvPr id="564" name="円/楕円 563"/>
+              <p:cNvSpPr/>
+              <p:nvPr/>
+            </p:nvSpPr>
+            <p:spPr>
+              <a:xfrm>
+                <a:off x="3945700" y="1924332"/>
+                <a:ext cx="564450" cy="709192"/>
+              </a:xfrm>
+              <a:prstGeom prst="ellipse">
+                <a:avLst/>
+              </a:prstGeom>
+              <a:grpFill/>
+              <a:ln>
+                <a:solidFill>
+                  <a:schemeClr val="bg1">
+                    <a:lumMod val="85000"/>
+                  </a:schemeClr>
+                </a:solidFill>
+              </a:ln>
+            </p:spPr>
+            <p:style>
+              <a:lnRef idx="2">
+                <a:schemeClr val="accent1">
+                  <a:shade val="50000"/>
+                </a:schemeClr>
+              </a:lnRef>
+              <a:fillRef idx="1">
+                <a:schemeClr val="accent1"/>
+              </a:fillRef>
+              <a:effectRef idx="0">
+                <a:schemeClr val="accent1"/>
+              </a:effectRef>
+              <a:fontRef idx="minor">
+                <a:schemeClr val="lt1"/>
+              </a:fontRef>
+            </p:style>
+            <p:txBody>
+              <a:bodyPr rtlCol="0" anchor="ctr"/>
+              <a:lstStyle/>
+              <a:p>
+                <a:pPr algn="ctr"/>
+                <a:endParaRPr kumimoji="1" lang="ja-JP" altLang="en-US"/>
+              </a:p>
+            </p:txBody>
+          </p:sp>
+          <p:sp>
+            <p:nvSpPr>
+              <p:cNvPr id="565" name="円/楕円 564"/>
+              <p:cNvSpPr/>
+              <p:nvPr/>
+            </p:nvSpPr>
+            <p:spPr>
+              <a:xfrm>
+                <a:off x="4480825" y="2085964"/>
+                <a:ext cx="397164" cy="457164"/>
+              </a:xfrm>
+              <a:prstGeom prst="ellipse">
+                <a:avLst/>
+              </a:prstGeom>
+              <a:grpFill/>
+              <a:ln>
+                <a:solidFill>
+                  <a:schemeClr val="bg1">
+                    <a:lumMod val="85000"/>
+                  </a:schemeClr>
+                </a:solidFill>
+              </a:ln>
+            </p:spPr>
+            <p:style>
+              <a:lnRef idx="2">
+                <a:schemeClr val="accent1">
+                  <a:shade val="50000"/>
+                </a:schemeClr>
+              </a:lnRef>
+              <a:fillRef idx="1">
+                <a:schemeClr val="accent1"/>
+              </a:fillRef>
+              <a:effectRef idx="0">
+                <a:schemeClr val="accent1"/>
+              </a:effectRef>
+              <a:fontRef idx="minor">
+                <a:schemeClr val="lt1"/>
+              </a:fontRef>
+            </p:style>
+            <p:txBody>
+              <a:bodyPr rtlCol="0" anchor="ctr"/>
+              <a:lstStyle/>
+              <a:p>
+                <a:pPr algn="ctr"/>
+                <a:endParaRPr kumimoji="1" lang="ja-JP" altLang="en-US"/>
+              </a:p>
+            </p:txBody>
+          </p:sp>
+          <p:sp>
+            <p:nvSpPr>
+              <p:cNvPr id="566" name="正方形/長方形 565"/>
+              <p:cNvSpPr/>
+              <p:nvPr/>
+            </p:nvSpPr>
+            <p:spPr>
+              <a:xfrm rot="19800000">
+                <a:off x="3936501" y="2378368"/>
+                <a:ext cx="812265" cy="360040"/>
+              </a:xfrm>
+              <a:prstGeom prst="rect">
+                <a:avLst/>
+              </a:prstGeom>
+              <a:grpFill/>
+              <a:ln>
+                <a:solidFill>
+                  <a:schemeClr val="bg1">
+                    <a:lumMod val="85000"/>
+                  </a:schemeClr>
+                </a:solidFill>
+              </a:ln>
+            </p:spPr>
+            <p:style>
+              <a:lnRef idx="2">
+                <a:schemeClr val="accent1">
+                  <a:shade val="50000"/>
+                </a:schemeClr>
+              </a:lnRef>
+              <a:fillRef idx="1">
+                <a:schemeClr val="accent1"/>
+              </a:fillRef>
+              <a:effectRef idx="0">
+                <a:schemeClr val="accent1"/>
+              </a:effectRef>
+              <a:fontRef idx="minor">
+                <a:schemeClr val="lt1"/>
+              </a:fontRef>
+            </p:style>
+            <p:txBody>
+              <a:bodyPr rtlCol="0" anchor="ctr"/>
+              <a:lstStyle/>
+              <a:p>
+                <a:pPr algn="ctr"/>
+                <a:endParaRPr kumimoji="1" lang="ja-JP" altLang="en-US"/>
+              </a:p>
+            </p:txBody>
+          </p:sp>
+        </p:grpSp>
+        <p:grpSp>
+          <p:nvGrpSpPr>
+            <p:cNvPr id="553" name="グループ化 552"/>
+            <p:cNvGrpSpPr/>
+            <p:nvPr/>
+          </p:nvGrpSpPr>
+          <p:grpSpPr>
+            <a:xfrm>
+              <a:off x="3923928" y="1893105"/>
+              <a:ext cx="1085677" cy="1014454"/>
+              <a:chOff x="3792312" y="1924332"/>
+              <a:chExt cx="1085677" cy="1014454"/>
+            </a:xfrm>
+            <a:solidFill>
+              <a:schemeClr val="bg1">
+                <a:lumMod val="85000"/>
+              </a:schemeClr>
+            </a:solidFill>
+          </p:grpSpPr>
+          <p:sp>
+            <p:nvSpPr>
+              <p:cNvPr id="559" name="円/楕円 558"/>
+              <p:cNvSpPr/>
+              <p:nvPr/>
+            </p:nvSpPr>
+            <p:spPr>
+              <a:xfrm>
+                <a:off x="3792312" y="2481622"/>
+                <a:ext cx="397164" cy="457164"/>
+              </a:xfrm>
+              <a:prstGeom prst="ellipse">
+                <a:avLst/>
+              </a:prstGeom>
+              <a:grpFill/>
+              <a:ln>
+                <a:solidFill>
+                  <a:schemeClr val="bg1">
+                    <a:lumMod val="85000"/>
+                  </a:schemeClr>
+                </a:solidFill>
+              </a:ln>
+            </p:spPr>
+            <p:style>
+              <a:lnRef idx="2">
+                <a:schemeClr val="accent1">
+                  <a:shade val="50000"/>
+                </a:schemeClr>
+              </a:lnRef>
+              <a:fillRef idx="1">
+                <a:schemeClr val="accent1"/>
+              </a:fillRef>
+              <a:effectRef idx="0">
+                <a:schemeClr val="accent1"/>
+              </a:effectRef>
+              <a:fontRef idx="minor">
+                <a:schemeClr val="lt1"/>
+              </a:fontRef>
+            </p:style>
+            <p:txBody>
+              <a:bodyPr rtlCol="0" anchor="ctr"/>
+              <a:lstStyle/>
+              <a:p>
+                <a:pPr algn="ctr"/>
+                <a:endParaRPr kumimoji="1" lang="ja-JP" altLang="en-US"/>
+              </a:p>
+            </p:txBody>
+          </p:sp>
+          <p:sp>
+            <p:nvSpPr>
+              <p:cNvPr id="560" name="円/楕円 559"/>
+              <p:cNvSpPr/>
+              <p:nvPr/>
+            </p:nvSpPr>
+            <p:spPr>
+              <a:xfrm>
+                <a:off x="3945700" y="1924332"/>
+                <a:ext cx="564450" cy="709192"/>
+              </a:xfrm>
+              <a:prstGeom prst="ellipse">
+                <a:avLst/>
+              </a:prstGeom>
+              <a:grpFill/>
+              <a:ln>
+                <a:solidFill>
+                  <a:schemeClr val="bg1">
+                    <a:lumMod val="85000"/>
+                  </a:schemeClr>
+                </a:solidFill>
+              </a:ln>
+            </p:spPr>
+            <p:style>
+              <a:lnRef idx="2">
+                <a:schemeClr val="accent1">
+                  <a:shade val="50000"/>
+                </a:schemeClr>
+              </a:lnRef>
+              <a:fillRef idx="1">
+                <a:schemeClr val="accent1"/>
+              </a:fillRef>
+              <a:effectRef idx="0">
+                <a:schemeClr val="accent1"/>
+              </a:effectRef>
+              <a:fontRef idx="minor">
+                <a:schemeClr val="lt1"/>
+              </a:fontRef>
+            </p:style>
+            <p:txBody>
+              <a:bodyPr rtlCol="0" anchor="ctr"/>
+              <a:lstStyle/>
+              <a:p>
+                <a:pPr algn="ctr"/>
+                <a:endParaRPr kumimoji="1" lang="ja-JP" altLang="en-US"/>
+              </a:p>
+            </p:txBody>
+          </p:sp>
+          <p:sp>
+            <p:nvSpPr>
+              <p:cNvPr id="561" name="円/楕円 560"/>
+              <p:cNvSpPr/>
+              <p:nvPr/>
+            </p:nvSpPr>
+            <p:spPr>
+              <a:xfrm>
+                <a:off x="4480825" y="2085964"/>
+                <a:ext cx="397164" cy="457164"/>
+              </a:xfrm>
+              <a:prstGeom prst="ellipse">
+                <a:avLst/>
+              </a:prstGeom>
+              <a:grpFill/>
+              <a:ln>
+                <a:solidFill>
+                  <a:schemeClr val="bg1">
+                    <a:lumMod val="85000"/>
+                  </a:schemeClr>
+                </a:solidFill>
+              </a:ln>
+            </p:spPr>
+            <p:style>
+              <a:lnRef idx="2">
+                <a:schemeClr val="accent1">
+                  <a:shade val="50000"/>
+                </a:schemeClr>
+              </a:lnRef>
+              <a:fillRef idx="1">
+                <a:schemeClr val="accent1"/>
+              </a:fillRef>
+              <a:effectRef idx="0">
+                <a:schemeClr val="accent1"/>
+              </a:effectRef>
+              <a:fontRef idx="minor">
+                <a:schemeClr val="lt1"/>
+              </a:fontRef>
+            </p:style>
+            <p:txBody>
+              <a:bodyPr rtlCol="0" anchor="ctr"/>
+              <a:lstStyle/>
+              <a:p>
+                <a:pPr algn="ctr"/>
+                <a:endParaRPr kumimoji="1" lang="ja-JP" altLang="en-US"/>
+              </a:p>
+            </p:txBody>
+          </p:sp>
+          <p:sp>
+            <p:nvSpPr>
+              <p:cNvPr id="562" name="正方形/長方形 561"/>
+              <p:cNvSpPr/>
+              <p:nvPr/>
+            </p:nvSpPr>
+            <p:spPr>
+              <a:xfrm rot="19800000">
+                <a:off x="3936501" y="2378368"/>
+                <a:ext cx="812265" cy="360040"/>
+              </a:xfrm>
+              <a:prstGeom prst="rect">
+                <a:avLst/>
+              </a:prstGeom>
+              <a:grpFill/>
+              <a:ln>
+                <a:solidFill>
+                  <a:schemeClr val="bg1">
+                    <a:lumMod val="85000"/>
+                  </a:schemeClr>
+                </a:solidFill>
+              </a:ln>
+            </p:spPr>
+            <p:style>
+              <a:lnRef idx="2">
+                <a:schemeClr val="accent1">
+                  <a:shade val="50000"/>
+                </a:schemeClr>
+              </a:lnRef>
+              <a:fillRef idx="1">
+                <a:schemeClr val="accent1"/>
+              </a:fillRef>
+              <a:effectRef idx="0">
+                <a:schemeClr val="accent1"/>
+              </a:effectRef>
+              <a:fontRef idx="minor">
+                <a:schemeClr val="lt1"/>
+              </a:fontRef>
+            </p:style>
+            <p:txBody>
+              <a:bodyPr rtlCol="0" anchor="ctr"/>
+              <a:lstStyle/>
+              <a:p>
+                <a:pPr algn="ctr"/>
+                <a:endParaRPr kumimoji="1" lang="ja-JP" altLang="en-US"/>
+              </a:p>
+            </p:txBody>
+          </p:sp>
+        </p:grpSp>
+        <p:grpSp>
+          <p:nvGrpSpPr>
+            <p:cNvPr id="554" name="グループ化 553"/>
+            <p:cNvGrpSpPr/>
+            <p:nvPr/>
+          </p:nvGrpSpPr>
+          <p:grpSpPr>
+            <a:xfrm>
+              <a:off x="3949730" y="1897867"/>
+              <a:ext cx="1085677" cy="1014454"/>
+              <a:chOff x="3792312" y="1924332"/>
+              <a:chExt cx="1085677" cy="1014454"/>
+            </a:xfrm>
+          </p:grpSpPr>
+          <p:sp>
+            <p:nvSpPr>
+              <p:cNvPr id="555" name="円/楕円 554"/>
+              <p:cNvSpPr/>
+              <p:nvPr/>
+            </p:nvSpPr>
+            <p:spPr>
+              <a:xfrm>
+                <a:off x="3792312" y="2481622"/>
+                <a:ext cx="397164" cy="457164"/>
+              </a:xfrm>
+              <a:prstGeom prst="ellipse">
+                <a:avLst/>
+              </a:prstGeom>
+              <a:solidFill>
+                <a:schemeClr val="bg1">
+                  <a:lumMod val="95000"/>
+                </a:schemeClr>
+              </a:solidFill>
+              <a:ln>
+                <a:solidFill>
+                  <a:schemeClr val="bg1">
+                    <a:lumMod val="95000"/>
+                  </a:schemeClr>
+                </a:solidFill>
+              </a:ln>
+            </p:spPr>
+            <p:style>
+              <a:lnRef idx="2">
+                <a:schemeClr val="accent1">
+                  <a:shade val="50000"/>
+                </a:schemeClr>
+              </a:lnRef>
+              <a:fillRef idx="1">
+                <a:schemeClr val="accent1"/>
+              </a:fillRef>
+              <a:effectRef idx="0">
+                <a:schemeClr val="accent1"/>
+              </a:effectRef>
+              <a:fontRef idx="minor">
+                <a:schemeClr val="lt1"/>
+              </a:fontRef>
+            </p:style>
+            <p:txBody>
+              <a:bodyPr rtlCol="0" anchor="ctr"/>
+              <a:lstStyle/>
+              <a:p>
+                <a:pPr algn="ctr"/>
+                <a:endParaRPr kumimoji="1" lang="ja-JP" altLang="en-US"/>
+              </a:p>
+            </p:txBody>
+          </p:sp>
+          <p:sp>
+            <p:nvSpPr>
+              <p:cNvPr id="556" name="円/楕円 555"/>
+              <p:cNvSpPr/>
+              <p:nvPr/>
+            </p:nvSpPr>
+            <p:spPr>
+              <a:xfrm>
+                <a:off x="3945700" y="1924332"/>
+                <a:ext cx="564450" cy="709192"/>
+              </a:xfrm>
+              <a:prstGeom prst="ellipse">
+                <a:avLst/>
+              </a:prstGeom>
+              <a:solidFill>
+                <a:schemeClr val="bg1">
+                  <a:lumMod val="95000"/>
+                </a:schemeClr>
+              </a:solidFill>
+              <a:ln>
+                <a:solidFill>
+                  <a:schemeClr val="bg1">
+                    <a:lumMod val="95000"/>
+                  </a:schemeClr>
+                </a:solidFill>
+              </a:ln>
+            </p:spPr>
+            <p:style>
+              <a:lnRef idx="2">
+                <a:schemeClr val="accent1">
+                  <a:shade val="50000"/>
+                </a:schemeClr>
+              </a:lnRef>
+              <a:fillRef idx="1">
+                <a:schemeClr val="accent1"/>
+              </a:fillRef>
+              <a:effectRef idx="0">
+                <a:schemeClr val="accent1"/>
+              </a:effectRef>
+              <a:fontRef idx="minor">
+                <a:schemeClr val="lt1"/>
+              </a:fontRef>
+            </p:style>
+            <p:txBody>
+              <a:bodyPr rtlCol="0" anchor="ctr"/>
+              <a:lstStyle/>
+              <a:p>
+                <a:pPr algn="ctr"/>
+                <a:endParaRPr kumimoji="1" lang="ja-JP" altLang="en-US"/>
+              </a:p>
+            </p:txBody>
+          </p:sp>
+          <p:sp>
+            <p:nvSpPr>
+              <p:cNvPr id="557" name="円/楕円 556"/>
+              <p:cNvSpPr/>
+              <p:nvPr/>
+            </p:nvSpPr>
+            <p:spPr>
+              <a:xfrm>
+                <a:off x="4480825" y="2085964"/>
+                <a:ext cx="397164" cy="457164"/>
+              </a:xfrm>
+              <a:prstGeom prst="ellipse">
+                <a:avLst/>
+              </a:prstGeom>
+              <a:solidFill>
+                <a:schemeClr val="bg1">
+                  <a:lumMod val="95000"/>
+                </a:schemeClr>
+              </a:solidFill>
+              <a:ln>
+                <a:solidFill>
+                  <a:schemeClr val="bg1">
+                    <a:lumMod val="95000"/>
+                  </a:schemeClr>
+                </a:solidFill>
+              </a:ln>
+            </p:spPr>
+            <p:style>
+              <a:lnRef idx="2">
+                <a:schemeClr val="accent1">
+                  <a:shade val="50000"/>
+                </a:schemeClr>
+              </a:lnRef>
+              <a:fillRef idx="1">
+                <a:schemeClr val="accent1"/>
+              </a:fillRef>
+              <a:effectRef idx="0">
+                <a:schemeClr val="accent1"/>
+              </a:effectRef>
+              <a:fontRef idx="minor">
+                <a:schemeClr val="lt1"/>
+              </a:fontRef>
+            </p:style>
+            <p:txBody>
+              <a:bodyPr rtlCol="0" anchor="ctr"/>
+              <a:lstStyle/>
+              <a:p>
+                <a:pPr algn="ctr"/>
+                <a:endParaRPr kumimoji="1" lang="ja-JP" altLang="en-US"/>
+              </a:p>
+            </p:txBody>
+          </p:sp>
+          <p:sp>
+            <p:nvSpPr>
+              <p:cNvPr id="558" name="正方形/長方形 557"/>
+              <p:cNvSpPr/>
+              <p:nvPr/>
+            </p:nvSpPr>
+            <p:spPr>
+              <a:xfrm rot="19800000">
+                <a:off x="3936501" y="2378368"/>
+                <a:ext cx="812265" cy="360040"/>
+              </a:xfrm>
+              <a:prstGeom prst="rect">
+                <a:avLst/>
+              </a:prstGeom>
+              <a:solidFill>
+                <a:schemeClr val="bg1">
+                  <a:lumMod val="95000"/>
+                </a:schemeClr>
+              </a:solidFill>
+              <a:ln>
+                <a:solidFill>
+                  <a:schemeClr val="bg1">
+                    <a:lumMod val="95000"/>
+                  </a:schemeClr>
+                </a:solidFill>
+              </a:ln>
+            </p:spPr>
+            <p:style>
+              <a:lnRef idx="2">
+                <a:schemeClr val="accent1">
+                  <a:shade val="50000"/>
+                </a:schemeClr>
+              </a:lnRef>
+              <a:fillRef idx="1">
+                <a:schemeClr val="accent1"/>
+              </a:fillRef>
+              <a:effectRef idx="0">
+                <a:schemeClr val="accent1"/>
+              </a:effectRef>
+              <a:fontRef idx="minor">
+                <a:schemeClr val="lt1"/>
+              </a:fontRef>
+            </p:style>
+            <p:txBody>
+              <a:bodyPr rtlCol="0" anchor="ctr"/>
+              <a:lstStyle/>
+              <a:p>
+                <a:pPr algn="ctr"/>
+                <a:endParaRPr kumimoji="1" lang="ja-JP" altLang="en-US"/>
+              </a:p>
+            </p:txBody>
+          </p:sp>
+        </p:grpSp>
+      </p:grpSp>
+      <p:grpSp>
+        <p:nvGrpSpPr>
+          <p:cNvPr id="35" name="グループ化 34"/>
+          <p:cNvGrpSpPr/>
+          <p:nvPr/>
+        </p:nvGrpSpPr>
+        <p:grpSpPr>
+          <a:xfrm>
+            <a:off x="6796110" y="4704984"/>
+            <a:ext cx="829287" cy="917166"/>
+            <a:chOff x="1850464" y="5124054"/>
+            <a:chExt cx="829287" cy="917166"/>
+          </a:xfrm>
+        </p:grpSpPr>
+        <p:sp>
+          <p:nvSpPr>
+            <p:cNvPr id="574" name="平行四辺形 573"/>
+            <p:cNvSpPr/>
+            <p:nvPr/>
+          </p:nvSpPr>
+          <p:spPr>
+            <a:xfrm rot="1800000">
+              <a:off x="1865296" y="5850700"/>
+              <a:ext cx="723727" cy="190520"/>
+            </a:xfrm>
+            <a:prstGeom prst="parallelogram">
+              <a:avLst>
+                <a:gd name="adj" fmla="val 56906"/>
+              </a:avLst>
+            </a:prstGeom>
+            <a:solidFill>
+              <a:schemeClr val="bg1">
+                <a:lumMod val="85000"/>
+              </a:schemeClr>
+            </a:solidFill>
+            <a:ln w="38100">
+              <a:solidFill>
+                <a:schemeClr val="tx1">
+                  <a:lumMod val="65000"/>
+                  <a:lumOff val="35000"/>
+                </a:schemeClr>
+              </a:solidFill>
+            </a:ln>
+          </p:spPr>
+          <p:style>
+            <a:lnRef idx="2">
+              <a:schemeClr val="accent1">
+                <a:shade val="50000"/>
+              </a:schemeClr>
+            </a:lnRef>
+            <a:fillRef idx="1">
+              <a:schemeClr val="accent1"/>
+            </a:fillRef>
+            <a:effectRef idx="0">
+              <a:schemeClr val="accent1"/>
+            </a:effectRef>
+            <a:fontRef idx="minor">
+              <a:schemeClr val="lt1"/>
+            </a:fontRef>
+          </p:style>
+          <p:txBody>
+            <a:bodyPr rtlCol="0" anchor="ctr"/>
+            <a:lstStyle/>
+            <a:p>
+              <a:pPr algn="ctr"/>
+              <a:endParaRPr kumimoji="1" lang="ja-JP" altLang="en-US"/>
+            </a:p>
+          </p:txBody>
+        </p:sp>
+        <p:sp>
+          <p:nvSpPr>
+            <p:cNvPr id="575" name="平行四辺形 574"/>
+            <p:cNvSpPr/>
+            <p:nvPr/>
+          </p:nvSpPr>
+          <p:spPr>
+            <a:xfrm rot="1800000">
+              <a:off x="1850464" y="5835729"/>
+              <a:ext cx="723726" cy="190520"/>
+            </a:xfrm>
+            <a:prstGeom prst="parallelogram">
+              <a:avLst>
+                <a:gd name="adj" fmla="val 56906"/>
+              </a:avLst>
+            </a:prstGeom>
+            <a:solidFill>
+              <a:schemeClr val="bg1">
+                <a:lumMod val="85000"/>
+              </a:schemeClr>
+            </a:solidFill>
+            <a:ln>
+              <a:solidFill>
+                <a:schemeClr val="bg1">
+                  <a:lumMod val="85000"/>
+                </a:schemeClr>
+              </a:solidFill>
+            </a:ln>
+          </p:spPr>
+          <p:style>
+            <a:lnRef idx="2">
+              <a:schemeClr val="accent1">
+                <a:shade val="50000"/>
+              </a:schemeClr>
+            </a:lnRef>
+            <a:fillRef idx="1">
+              <a:schemeClr val="accent1"/>
+            </a:fillRef>
+            <a:effectRef idx="0">
+              <a:schemeClr val="accent1"/>
+            </a:effectRef>
+            <a:fontRef idx="minor">
+              <a:schemeClr val="lt1"/>
+            </a:fontRef>
+          </p:style>
+          <p:txBody>
+            <a:bodyPr rtlCol="0" anchor="ctr"/>
+            <a:lstStyle/>
+            <a:p>
+              <a:pPr algn="ctr"/>
+              <a:endParaRPr kumimoji="1" lang="ja-JP" altLang="en-US"/>
+            </a:p>
+          </p:txBody>
+        </p:sp>
+        <p:sp>
+          <p:nvSpPr>
+            <p:cNvPr id="576" name="平行四辺形 575"/>
+            <p:cNvSpPr/>
+            <p:nvPr/>
+          </p:nvSpPr>
+          <p:spPr>
+            <a:xfrm rot="1800000">
+              <a:off x="1967584" y="5882408"/>
+              <a:ext cx="607020" cy="45719"/>
+            </a:xfrm>
+            <a:prstGeom prst="parallelogram">
+              <a:avLst>
+                <a:gd name="adj" fmla="val 56906"/>
+              </a:avLst>
+            </a:prstGeom>
+            <a:solidFill>
+              <a:schemeClr val="tx1">
+                <a:lumMod val="50000"/>
+                <a:lumOff val="50000"/>
+              </a:schemeClr>
+            </a:solidFill>
+            <a:ln w="6350">
+              <a:solidFill>
+                <a:schemeClr val="bg1">
+                  <a:lumMod val="95000"/>
+                </a:schemeClr>
+              </a:solidFill>
+            </a:ln>
+          </p:spPr>
+          <p:style>
+            <a:lnRef idx="2">
+              <a:schemeClr val="accent1">
+                <a:shade val="50000"/>
+              </a:schemeClr>
+            </a:lnRef>
+            <a:fillRef idx="1">
+              <a:schemeClr val="accent1"/>
+            </a:fillRef>
+            <a:effectRef idx="0">
+              <a:schemeClr val="accent1"/>
+            </a:effectRef>
+            <a:fontRef idx="minor">
+              <a:schemeClr val="lt1"/>
+            </a:fontRef>
+          </p:style>
+          <p:txBody>
+            <a:bodyPr rtlCol="0" anchor="ctr"/>
+            <a:lstStyle/>
+            <a:p>
+              <a:pPr algn="ctr"/>
+              <a:endParaRPr kumimoji="1" lang="ja-JP" altLang="en-US"/>
+            </a:p>
+          </p:txBody>
+        </p:sp>
+        <p:sp>
+          <p:nvSpPr>
+            <p:cNvPr id="577" name="平行四辺形 576"/>
+            <p:cNvSpPr/>
+            <p:nvPr/>
+          </p:nvSpPr>
+          <p:spPr>
+            <a:xfrm rot="1800000">
+              <a:off x="1990626" y="5883256"/>
+              <a:ext cx="590400" cy="25200"/>
+            </a:xfrm>
+            <a:prstGeom prst="parallelogram">
+              <a:avLst>
+                <a:gd name="adj" fmla="val 56906"/>
+              </a:avLst>
+            </a:prstGeom>
+            <a:solidFill>
+              <a:schemeClr val="tx1">
+                <a:lumMod val="50000"/>
+                <a:lumOff val="50000"/>
+              </a:schemeClr>
+            </a:solidFill>
+            <a:ln w="6350">
+              <a:solidFill>
+                <a:schemeClr val="bg1">
+                  <a:lumMod val="95000"/>
+                </a:schemeClr>
+              </a:solidFill>
+            </a:ln>
+          </p:spPr>
+          <p:style>
+            <a:lnRef idx="2">
+              <a:schemeClr val="accent1">
+                <a:shade val="50000"/>
+              </a:schemeClr>
+            </a:lnRef>
+            <a:fillRef idx="1">
+              <a:schemeClr val="accent1"/>
+            </a:fillRef>
+            <a:effectRef idx="0">
+              <a:schemeClr val="accent1"/>
+            </a:effectRef>
+            <a:fontRef idx="minor">
+              <a:schemeClr val="lt1"/>
+            </a:fontRef>
+          </p:style>
+          <p:txBody>
+            <a:bodyPr rtlCol="0" anchor="ctr"/>
+            <a:lstStyle/>
+            <a:p>
+              <a:pPr algn="ctr"/>
+              <a:endParaRPr kumimoji="1" lang="ja-JP" altLang="en-US"/>
+            </a:p>
+          </p:txBody>
+        </p:sp>
+        <p:sp>
+          <p:nvSpPr>
+            <p:cNvPr id="578" name="平行四辺形 577"/>
+            <p:cNvSpPr/>
+            <p:nvPr/>
+          </p:nvSpPr>
+          <p:spPr>
+            <a:xfrm rot="1800000">
+              <a:off x="1915129" y="5912687"/>
+              <a:ext cx="607020" cy="45719"/>
+            </a:xfrm>
+            <a:prstGeom prst="parallelogram">
+              <a:avLst>
+                <a:gd name="adj" fmla="val 56906"/>
+              </a:avLst>
+            </a:prstGeom>
+            <a:solidFill>
+              <a:schemeClr val="tx1">
+                <a:lumMod val="50000"/>
+                <a:lumOff val="50000"/>
+              </a:schemeClr>
+            </a:solidFill>
+            <a:ln w="6350">
+              <a:solidFill>
+                <a:schemeClr val="bg1">
+                  <a:lumMod val="95000"/>
+                </a:schemeClr>
+              </a:solidFill>
+            </a:ln>
+          </p:spPr>
+          <p:style>
+            <a:lnRef idx="2">
+              <a:schemeClr val="accent1">
+                <a:shade val="50000"/>
+              </a:schemeClr>
+            </a:lnRef>
+            <a:fillRef idx="1">
+              <a:schemeClr val="accent1"/>
+            </a:fillRef>
+            <a:effectRef idx="0">
+              <a:schemeClr val="accent1"/>
+            </a:effectRef>
+            <a:fontRef idx="minor">
+              <a:schemeClr val="lt1"/>
+            </a:fontRef>
+          </p:style>
+          <p:txBody>
+            <a:bodyPr rtlCol="0" anchor="ctr"/>
+            <a:lstStyle/>
+            <a:p>
+              <a:pPr algn="ctr"/>
+              <a:endParaRPr kumimoji="1" lang="ja-JP" altLang="en-US"/>
+            </a:p>
+          </p:txBody>
+        </p:sp>
+        <p:sp>
+          <p:nvSpPr>
+            <p:cNvPr id="579" name="平行四辺形 578"/>
+            <p:cNvSpPr/>
+            <p:nvPr/>
+          </p:nvSpPr>
+          <p:spPr>
+            <a:xfrm rot="1800000">
+              <a:off x="1938171" y="5913535"/>
+              <a:ext cx="590400" cy="25200"/>
+            </a:xfrm>
+            <a:prstGeom prst="parallelogram">
+              <a:avLst>
+                <a:gd name="adj" fmla="val 56906"/>
+              </a:avLst>
+            </a:prstGeom>
+            <a:solidFill>
+              <a:schemeClr val="tx1">
+                <a:lumMod val="50000"/>
+                <a:lumOff val="50000"/>
+              </a:schemeClr>
+            </a:solidFill>
+            <a:ln w="6350">
+              <a:solidFill>
+                <a:schemeClr val="bg1">
+                  <a:lumMod val="95000"/>
+                </a:schemeClr>
+              </a:solidFill>
+            </a:ln>
+          </p:spPr>
+          <p:style>
+            <a:lnRef idx="2">
+              <a:schemeClr val="accent1">
+                <a:shade val="50000"/>
+              </a:schemeClr>
+            </a:lnRef>
+            <a:fillRef idx="1">
+              <a:schemeClr val="accent1"/>
+            </a:fillRef>
+            <a:effectRef idx="0">
+              <a:schemeClr val="accent1"/>
+            </a:effectRef>
+            <a:fontRef idx="minor">
+              <a:schemeClr val="lt1"/>
+            </a:fontRef>
+          </p:style>
+          <p:txBody>
+            <a:bodyPr rtlCol="0" anchor="ctr"/>
+            <a:lstStyle/>
+            <a:p>
+              <a:pPr algn="ctr"/>
+              <a:endParaRPr kumimoji="1" lang="ja-JP" altLang="en-US"/>
+            </a:p>
+          </p:txBody>
+        </p:sp>
+        <p:sp>
+          <p:nvSpPr>
+            <p:cNvPr id="580" name="平行四辺形 579"/>
+            <p:cNvSpPr/>
+            <p:nvPr/>
+          </p:nvSpPr>
+          <p:spPr>
+            <a:xfrm rot="1800000">
+              <a:off x="1885143" y="5926682"/>
+              <a:ext cx="607020" cy="45719"/>
+            </a:xfrm>
+            <a:prstGeom prst="parallelogram">
+              <a:avLst>
+                <a:gd name="adj" fmla="val 56906"/>
+              </a:avLst>
+            </a:prstGeom>
+            <a:solidFill>
+              <a:schemeClr val="tx1">
+                <a:lumMod val="50000"/>
+                <a:lumOff val="50000"/>
+              </a:schemeClr>
+            </a:solidFill>
+            <a:ln w="6350">
+              <a:solidFill>
+                <a:schemeClr val="bg1">
+                  <a:lumMod val="95000"/>
+                </a:schemeClr>
+              </a:solidFill>
+            </a:ln>
+          </p:spPr>
+          <p:style>
+            <a:lnRef idx="2">
+              <a:schemeClr val="accent1">
+                <a:shade val="50000"/>
+              </a:schemeClr>
+            </a:lnRef>
+            <a:fillRef idx="1">
+              <a:schemeClr val="accent1"/>
+            </a:fillRef>
+            <a:effectRef idx="0">
+              <a:schemeClr val="accent1"/>
+            </a:effectRef>
+            <a:fontRef idx="minor">
+              <a:schemeClr val="lt1"/>
+            </a:fontRef>
+          </p:style>
+          <p:txBody>
+            <a:bodyPr rtlCol="0" anchor="ctr"/>
+            <a:lstStyle/>
+            <a:p>
+              <a:pPr algn="ctr"/>
+              <a:endParaRPr kumimoji="1" lang="ja-JP" altLang="en-US"/>
+            </a:p>
+          </p:txBody>
+        </p:sp>
+        <p:sp>
+          <p:nvSpPr>
+            <p:cNvPr id="581" name="平行四辺形 580"/>
+            <p:cNvSpPr/>
+            <p:nvPr/>
+          </p:nvSpPr>
+          <p:spPr>
+            <a:xfrm rot="1800000">
+              <a:off x="1908185" y="5927530"/>
+              <a:ext cx="590400" cy="25200"/>
+            </a:xfrm>
+            <a:prstGeom prst="parallelogram">
+              <a:avLst>
+                <a:gd name="adj" fmla="val 56906"/>
+              </a:avLst>
+            </a:prstGeom>
+            <a:solidFill>
+              <a:schemeClr val="tx1">
+                <a:lumMod val="50000"/>
+                <a:lumOff val="50000"/>
+              </a:schemeClr>
+            </a:solidFill>
+            <a:ln w="6350">
+              <a:solidFill>
+                <a:schemeClr val="bg1">
+                  <a:lumMod val="95000"/>
+                </a:schemeClr>
+              </a:solidFill>
+            </a:ln>
+          </p:spPr>
+          <p:style>
+            <a:lnRef idx="2">
+              <a:schemeClr val="accent1">
+                <a:shade val="50000"/>
+              </a:schemeClr>
+            </a:lnRef>
+            <a:fillRef idx="1">
+              <a:schemeClr val="accent1"/>
+            </a:fillRef>
+            <a:effectRef idx="0">
+              <a:schemeClr val="accent1"/>
+            </a:effectRef>
+            <a:fontRef idx="minor">
+              <a:schemeClr val="lt1"/>
+            </a:fontRef>
+          </p:style>
+          <p:txBody>
+            <a:bodyPr rtlCol="0" anchor="ctr"/>
+            <a:lstStyle/>
+            <a:p>
+              <a:pPr algn="ctr"/>
+              <a:endParaRPr kumimoji="1" lang="ja-JP" altLang="en-US"/>
+            </a:p>
+          </p:txBody>
+        </p:sp>
+        <p:grpSp>
+          <p:nvGrpSpPr>
+            <p:cNvPr id="34" name="グループ化 33"/>
+            <p:cNvGrpSpPr/>
+            <p:nvPr/>
+          </p:nvGrpSpPr>
+          <p:grpSpPr>
+            <a:xfrm>
+              <a:off x="2120374" y="5124054"/>
+              <a:ext cx="559377" cy="743275"/>
+              <a:chOff x="2174692" y="5124054"/>
+              <a:chExt cx="559377" cy="743275"/>
+            </a:xfrm>
+          </p:grpSpPr>
+          <p:grpSp>
+            <p:nvGrpSpPr>
+              <p:cNvPr id="568" name="グループ化 567"/>
+              <p:cNvGrpSpPr/>
+              <p:nvPr/>
+            </p:nvGrpSpPr>
+            <p:grpSpPr>
+              <a:xfrm>
+                <a:off x="2337645" y="5717681"/>
+                <a:ext cx="186158" cy="146522"/>
+                <a:chOff x="1505522" y="2099617"/>
+                <a:chExt cx="848809" cy="668082"/>
+              </a:xfrm>
+            </p:grpSpPr>
+            <p:sp>
+              <p:nvSpPr>
+                <p:cNvPr id="569" name="平行四辺形 568"/>
+                <p:cNvSpPr/>
+                <p:nvPr/>
+              </p:nvSpPr>
+              <p:spPr>
+                <a:xfrm rot="16200000">
+                  <a:off x="1489857" y="2266845"/>
+                  <a:ext cx="516519" cy="485190"/>
+                </a:xfrm>
+                <a:prstGeom prst="parallelogram">
+                  <a:avLst>
+                    <a:gd name="adj" fmla="val 56906"/>
+                  </a:avLst>
+                </a:prstGeom>
+                <a:solidFill>
+                  <a:schemeClr val="bg1">
+                    <a:lumMod val="85000"/>
+                  </a:schemeClr>
+                </a:solidFill>
+                <a:ln w="3175" cap="rnd">
+                  <a:solidFill>
+                    <a:schemeClr val="bg1">
+                      <a:lumMod val="85000"/>
+                    </a:schemeClr>
+                  </a:solidFill>
+                </a:ln>
+              </p:spPr>
+              <p:style>
+                <a:lnRef idx="2">
+                  <a:schemeClr val="accent1">
+                    <a:shade val="50000"/>
+                  </a:schemeClr>
+                </a:lnRef>
+                <a:fillRef idx="1">
+                  <a:schemeClr val="accent1"/>
+                </a:fillRef>
+                <a:effectRef idx="0">
+                  <a:schemeClr val="accent1"/>
+                </a:effectRef>
+                <a:fontRef idx="minor">
+                  <a:schemeClr val="lt1"/>
+                </a:fontRef>
+              </p:style>
+              <p:txBody>
+                <a:bodyPr rtlCol="0" anchor="ctr"/>
+                <a:lstStyle/>
+                <a:p>
+                  <a:pPr algn="ctr"/>
+                  <a:endParaRPr kumimoji="1" lang="ja-JP" altLang="en-US"/>
+                </a:p>
+              </p:txBody>
+            </p:sp>
+            <p:sp>
+              <p:nvSpPr>
+                <p:cNvPr id="570" name="平行四辺形 569"/>
+                <p:cNvSpPr/>
+                <p:nvPr/>
+              </p:nvSpPr>
+              <p:spPr>
+                <a:xfrm rot="5400000" flipH="1">
+                  <a:off x="1947503" y="2360871"/>
+                  <a:ext cx="451703" cy="361953"/>
+                </a:xfrm>
+                <a:prstGeom prst="parallelogram">
+                  <a:avLst>
+                    <a:gd name="adj" fmla="val 56906"/>
+                  </a:avLst>
+                </a:prstGeom>
+                <a:solidFill>
+                  <a:schemeClr val="bg1">
+                    <a:lumMod val="75000"/>
+                  </a:schemeClr>
+                </a:solidFill>
+                <a:ln w="3175" cap="rnd">
+                  <a:solidFill>
+                    <a:schemeClr val="bg1">
+                      <a:lumMod val="75000"/>
+                    </a:schemeClr>
+                  </a:solidFill>
+                </a:ln>
+              </p:spPr>
+              <p:style>
+                <a:lnRef idx="2">
+                  <a:schemeClr val="accent1">
+                    <a:shade val="50000"/>
+                  </a:schemeClr>
+                </a:lnRef>
+                <a:fillRef idx="1">
+                  <a:schemeClr val="accent1"/>
+                </a:fillRef>
+                <a:effectRef idx="0">
+                  <a:schemeClr val="accent1"/>
+                </a:effectRef>
+                <a:fontRef idx="minor">
+                  <a:schemeClr val="lt1"/>
+                </a:fontRef>
+              </p:style>
+              <p:txBody>
+                <a:bodyPr rtlCol="0" anchor="ctr"/>
+                <a:lstStyle/>
+                <a:p>
+                  <a:pPr algn="ctr"/>
+                  <a:endParaRPr kumimoji="1" lang="ja-JP" altLang="en-US"/>
+                </a:p>
+              </p:txBody>
+            </p:sp>
+            <p:sp>
+              <p:nvSpPr>
+                <p:cNvPr id="571" name="平行四辺形 570"/>
+                <p:cNvSpPr/>
+                <p:nvPr/>
+              </p:nvSpPr>
+              <p:spPr>
+                <a:xfrm rot="1800000">
+                  <a:off x="1551726" y="2099617"/>
+                  <a:ext cx="760983" cy="367107"/>
+                </a:xfrm>
+                <a:prstGeom prst="parallelogram">
+                  <a:avLst>
+                    <a:gd name="adj" fmla="val 56906"/>
+                  </a:avLst>
+                </a:prstGeom>
+                <a:solidFill>
+                  <a:schemeClr val="bg1">
+                    <a:lumMod val="95000"/>
+                  </a:schemeClr>
+                </a:solidFill>
+                <a:ln w="3175">
+                  <a:solidFill>
+                    <a:schemeClr val="bg1">
+                      <a:lumMod val="85000"/>
+                    </a:schemeClr>
+                  </a:solidFill>
+                </a:ln>
+              </p:spPr>
+              <p:style>
+                <a:lnRef idx="2">
+                  <a:schemeClr val="accent1">
+                    <a:shade val="50000"/>
+                  </a:schemeClr>
+                </a:lnRef>
+                <a:fillRef idx="1">
+                  <a:schemeClr val="accent1"/>
+                </a:fillRef>
+                <a:effectRef idx="0">
+                  <a:schemeClr val="accent1"/>
+                </a:effectRef>
+                <a:fontRef idx="minor">
+                  <a:schemeClr val="lt1"/>
+                </a:fontRef>
+              </p:style>
+              <p:txBody>
+                <a:bodyPr rtlCol="0" anchor="ctr"/>
+                <a:lstStyle/>
+                <a:p>
+                  <a:pPr algn="ctr"/>
+                  <a:endParaRPr kumimoji="1" lang="ja-JP" altLang="en-US"/>
+                </a:p>
+              </p:txBody>
+            </p:sp>
+          </p:grpSp>
+          <p:sp>
+            <p:nvSpPr>
+              <p:cNvPr id="572" name="平行四辺形 571"/>
+              <p:cNvSpPr/>
+              <p:nvPr/>
+            </p:nvSpPr>
+            <p:spPr>
+              <a:xfrm rot="16200000">
+                <a:off x="2288943" y="5587900"/>
+                <a:ext cx="307064" cy="45719"/>
+              </a:xfrm>
+              <a:prstGeom prst="parallelogram">
+                <a:avLst>
+                  <a:gd name="adj" fmla="val 56906"/>
+                </a:avLst>
+              </a:prstGeom>
+              <a:solidFill>
+                <a:schemeClr val="bg1">
+                  <a:lumMod val="85000"/>
+                </a:schemeClr>
+              </a:solidFill>
+              <a:ln w="38100" cap="rnd">
+                <a:solidFill>
+                  <a:schemeClr val="tx1">
+                    <a:lumMod val="65000"/>
+                    <a:lumOff val="35000"/>
+                  </a:schemeClr>
+                </a:solidFill>
+              </a:ln>
+            </p:spPr>
+            <p:style>
+              <a:lnRef idx="2">
+                <a:schemeClr val="accent1">
+                  <a:shade val="50000"/>
+                </a:schemeClr>
+              </a:lnRef>
+              <a:fillRef idx="1">
+                <a:schemeClr val="accent1"/>
+              </a:fillRef>
+              <a:effectRef idx="0">
+                <a:schemeClr val="accent1"/>
+              </a:effectRef>
+              <a:fontRef idx="minor">
+                <a:schemeClr val="lt1"/>
+              </a:fontRef>
+            </p:style>
+            <p:txBody>
+              <a:bodyPr rtlCol="0" anchor="ctr"/>
+              <a:lstStyle/>
+              <a:p>
+                <a:pPr algn="ctr"/>
+                <a:endParaRPr kumimoji="1" lang="ja-JP" altLang="en-US"/>
+              </a:p>
+            </p:txBody>
+          </p:sp>
+          <p:sp>
+            <p:nvSpPr>
+              <p:cNvPr id="573" name="平行四辺形 572"/>
+              <p:cNvSpPr/>
+              <p:nvPr/>
+            </p:nvSpPr>
+            <p:spPr>
+              <a:xfrm rot="16200000">
+                <a:off x="2270216" y="5590680"/>
+                <a:ext cx="306278" cy="45719"/>
+              </a:xfrm>
+              <a:prstGeom prst="parallelogram">
+                <a:avLst>
+                  <a:gd name="adj" fmla="val 56906"/>
+                </a:avLst>
+              </a:prstGeom>
+              <a:solidFill>
+                <a:schemeClr val="bg1">
+                  <a:lumMod val="85000"/>
+                </a:schemeClr>
+              </a:solidFill>
+              <a:ln>
+                <a:solidFill>
+                  <a:schemeClr val="tx1">
+                    <a:lumMod val="50000"/>
+                    <a:lumOff val="50000"/>
+                  </a:schemeClr>
+                </a:solidFill>
+              </a:ln>
+            </p:spPr>
+            <p:style>
+              <a:lnRef idx="2">
+                <a:schemeClr val="accent1">
+                  <a:shade val="50000"/>
+                </a:schemeClr>
+              </a:lnRef>
+              <a:fillRef idx="1">
+                <a:schemeClr val="accent1"/>
+              </a:fillRef>
+              <a:effectRef idx="0">
+                <a:schemeClr val="accent1"/>
+              </a:effectRef>
+              <a:fontRef idx="minor">
+                <a:schemeClr val="lt1"/>
+              </a:fontRef>
+            </p:style>
+            <p:txBody>
+              <a:bodyPr rtlCol="0" anchor="ctr"/>
+              <a:lstStyle/>
+              <a:p>
+                <a:pPr algn="ctr"/>
+                <a:endParaRPr kumimoji="1" lang="ja-JP" altLang="en-US"/>
+              </a:p>
+            </p:txBody>
+          </p:sp>
+          <p:sp>
+            <p:nvSpPr>
+              <p:cNvPr id="582" name="平行四辺形 581"/>
+              <p:cNvSpPr/>
+              <p:nvPr/>
+            </p:nvSpPr>
+            <p:spPr>
+              <a:xfrm rot="16200000">
+                <a:off x="2093831" y="5227092"/>
+                <a:ext cx="740221" cy="540254"/>
+              </a:xfrm>
+              <a:prstGeom prst="parallelogram">
+                <a:avLst>
+                  <a:gd name="adj" fmla="val 56906"/>
+                </a:avLst>
+              </a:prstGeom>
+              <a:solidFill>
+                <a:schemeClr val="bg1">
+                  <a:lumMod val="85000"/>
+                </a:schemeClr>
+              </a:solidFill>
+              <a:ln w="38100" cap="rnd">
+                <a:solidFill>
+                  <a:schemeClr val="tx1">
+                    <a:lumMod val="65000"/>
+                    <a:lumOff val="35000"/>
+                  </a:schemeClr>
+                </a:solidFill>
+              </a:ln>
+            </p:spPr>
+            <p:style>
+              <a:lnRef idx="2">
+                <a:schemeClr val="accent1">
+                  <a:shade val="50000"/>
+                </a:schemeClr>
+              </a:lnRef>
+              <a:fillRef idx="1">
+                <a:schemeClr val="accent1"/>
+              </a:fillRef>
+              <a:effectRef idx="0">
+                <a:schemeClr val="accent1"/>
+              </a:effectRef>
+              <a:fontRef idx="minor">
+                <a:schemeClr val="lt1"/>
+              </a:fontRef>
+            </p:style>
+            <p:txBody>
+              <a:bodyPr rtlCol="0" anchor="ctr"/>
+              <a:lstStyle/>
+              <a:p>
+                <a:pPr algn="ctr"/>
+                <a:endParaRPr kumimoji="1" lang="ja-JP" altLang="en-US"/>
+              </a:p>
+            </p:txBody>
+          </p:sp>
+          <p:sp>
+            <p:nvSpPr>
+              <p:cNvPr id="583" name="平行四辺形 582"/>
+              <p:cNvSpPr/>
+              <p:nvPr/>
+            </p:nvSpPr>
+            <p:spPr>
+              <a:xfrm rot="16200000">
+                <a:off x="2073569" y="5225177"/>
+                <a:ext cx="738326" cy="536080"/>
+              </a:xfrm>
+              <a:prstGeom prst="parallelogram">
+                <a:avLst>
+                  <a:gd name="adj" fmla="val 56906"/>
+                </a:avLst>
+              </a:prstGeom>
+              <a:solidFill>
+                <a:schemeClr val="bg1">
+                  <a:lumMod val="85000"/>
+                </a:schemeClr>
+              </a:solidFill>
+              <a:ln>
+                <a:solidFill>
+                  <a:schemeClr val="bg1">
+                    <a:lumMod val="85000"/>
+                  </a:schemeClr>
+                </a:solidFill>
+              </a:ln>
+            </p:spPr>
+            <p:style>
+              <a:lnRef idx="2">
+                <a:schemeClr val="accent1">
+                  <a:shade val="50000"/>
+                </a:schemeClr>
+              </a:lnRef>
+              <a:fillRef idx="1">
+                <a:schemeClr val="accent1"/>
+              </a:fillRef>
+              <a:effectRef idx="0">
+                <a:schemeClr val="accent1"/>
+              </a:effectRef>
+              <a:fontRef idx="minor">
+                <a:schemeClr val="lt1"/>
+              </a:fontRef>
+            </p:style>
+            <p:txBody>
+              <a:bodyPr rtlCol="0" anchor="ctr"/>
+              <a:lstStyle/>
+              <a:p>
+                <a:pPr algn="ctr"/>
+                <a:endParaRPr kumimoji="1" lang="ja-JP" altLang="en-US"/>
+              </a:p>
+            </p:txBody>
+          </p:sp>
+          <p:sp>
+            <p:nvSpPr>
+              <p:cNvPr id="584" name="平行四辺形 583"/>
+              <p:cNvSpPr/>
+              <p:nvPr/>
+            </p:nvSpPr>
+            <p:spPr>
+              <a:xfrm rot="16200000">
+                <a:off x="2127067" y="5199545"/>
+                <a:ext cx="626481" cy="522214"/>
+              </a:xfrm>
+              <a:prstGeom prst="parallelogram">
+                <a:avLst>
+                  <a:gd name="adj" fmla="val 56906"/>
+                </a:avLst>
+              </a:prstGeom>
+              <a:solidFill>
+                <a:schemeClr val="tx1">
+                  <a:lumMod val="50000"/>
+                  <a:lumOff val="50000"/>
+                </a:schemeClr>
+              </a:solidFill>
+              <a:ln w="3175" cap="rnd">
+                <a:solidFill>
+                  <a:schemeClr val="tx1">
+                    <a:lumMod val="50000"/>
+                    <a:lumOff val="50000"/>
+                  </a:schemeClr>
+                </a:solidFill>
+              </a:ln>
+            </p:spPr>
+            <p:style>
+              <a:lnRef idx="2">
+                <a:schemeClr val="accent1">
+                  <a:shade val="50000"/>
+                </a:schemeClr>
+              </a:lnRef>
+              <a:fillRef idx="1">
+                <a:schemeClr val="accent1"/>
+              </a:fillRef>
+              <a:effectRef idx="0">
+                <a:schemeClr val="accent1"/>
+              </a:effectRef>
+              <a:fontRef idx="minor">
+                <a:schemeClr val="lt1"/>
+              </a:fontRef>
+            </p:style>
+            <p:txBody>
+              <a:bodyPr rtlCol="0" anchor="ctr"/>
+              <a:lstStyle/>
+              <a:p>
+                <a:pPr algn="ctr"/>
+                <a:endParaRPr kumimoji="1" lang="ja-JP" altLang="en-US"/>
+              </a:p>
+            </p:txBody>
+          </p:sp>
+          <p:sp>
+            <p:nvSpPr>
+              <p:cNvPr id="585" name="平行四辺形 584"/>
+              <p:cNvSpPr/>
+              <p:nvPr/>
+            </p:nvSpPr>
+            <p:spPr>
+              <a:xfrm rot="16200000">
+                <a:off x="2130824" y="5205236"/>
+                <a:ext cx="626481" cy="522214"/>
+              </a:xfrm>
+              <a:prstGeom prst="parallelogram">
+                <a:avLst>
+                  <a:gd name="adj" fmla="val 56906"/>
+                </a:avLst>
+              </a:prstGeom>
+              <a:solidFill>
+                <a:srgbClr val="4BD0FF"/>
+              </a:solidFill>
+              <a:ln w="3175" cap="rnd">
+                <a:solidFill>
+                  <a:schemeClr val="tx1">
+                    <a:lumMod val="50000"/>
+                    <a:lumOff val="50000"/>
+                  </a:schemeClr>
+                </a:solidFill>
+              </a:ln>
+            </p:spPr>
+            <p:style>
+              <a:lnRef idx="2">
+                <a:schemeClr val="accent1">
+                  <a:shade val="50000"/>
+                </a:schemeClr>
+              </a:lnRef>
+              <a:fillRef idx="1">
+                <a:schemeClr val="accent1"/>
+              </a:fillRef>
+              <a:effectRef idx="0">
+                <a:schemeClr val="accent1"/>
+              </a:effectRef>
+              <a:fontRef idx="minor">
+                <a:schemeClr val="lt1"/>
+              </a:fontRef>
+            </p:style>
+            <p:txBody>
+              <a:bodyPr rtlCol="0" anchor="ctr"/>
+              <a:lstStyle/>
+              <a:p>
+                <a:pPr algn="ctr"/>
+                <a:endParaRPr kumimoji="1" lang="ja-JP" altLang="en-US"/>
+              </a:p>
+            </p:txBody>
+          </p:sp>
+        </p:grpSp>
+      </p:grpSp>
+      <p:sp>
+        <p:nvSpPr>
+          <p:cNvPr id="586" name="テキスト ボックス 585"/>
+          <p:cNvSpPr txBox="1"/>
+          <p:nvPr/>
+        </p:nvSpPr>
+        <p:spPr>
+          <a:xfrm>
+            <a:off x="6993309" y="5785188"/>
+            <a:ext cx="716863" cy="253916"/>
+          </a:xfrm>
+          <a:prstGeom prst="rect">
+            <a:avLst/>
+          </a:prstGeom>
+          <a:noFill/>
+        </p:spPr>
+        <p:txBody>
+          <a:bodyPr wrap="none" rtlCol="0">
+            <a:spAutoFit/>
+          </a:bodyPr>
+          <a:lstStyle/>
+          <a:p>
+            <a:r>
+              <a:rPr kumimoji="1" lang="en-US" altLang="ja-JP" sz="1050" smtClean="0">
+                <a:latin typeface="メイリオ" pitchFamily="50" charset="-128"/>
+                <a:ea typeface="メイリオ" pitchFamily="50" charset="-128"/>
+                <a:cs typeface="メイリオ" pitchFamily="50" charset="-128"/>
+              </a:rPr>
+              <a:t>Desktop</a:t>
+            </a:r>
+            <a:endParaRPr kumimoji="1" lang="ja-JP" altLang="en-US" sz="1050">
               <a:latin typeface="メイリオ" pitchFamily="50" charset="-128"/>
               <a:ea typeface="メイリオ" pitchFamily="50" charset="-128"/>
               <a:cs typeface="メイリオ" pitchFamily="50" charset="-128"/>
